--- a/documentation/presentation.pptx
+++ b/documentation/presentation.pptx
@@ -5,7 +5,7 @@
     <p:sldMasterId id="2147483687" r:id="rId1"/>
   </p:sldMasterIdLst>
   <p:notesMasterIdLst>
-    <p:notesMasterId r:id="rId11"/>
+    <p:notesMasterId r:id="rId12"/>
   </p:notesMasterIdLst>
   <p:sldIdLst>
     <p:sldId id="256" r:id="rId2"/>
@@ -16,7 +16,8 @@
     <p:sldId id="262" r:id="rId7"/>
     <p:sldId id="260" r:id="rId8"/>
     <p:sldId id="261" r:id="rId9"/>
-    <p:sldId id="263" r:id="rId10"/>
+    <p:sldId id="265" r:id="rId10"/>
+    <p:sldId id="263" r:id="rId11"/>
   </p:sldIdLst>
   <p:sldSz cx="12192000" cy="6858000"/>
   <p:notesSz cx="6858000" cy="9144000"/>
@@ -123,778 +124,6 @@
 </p:presentation>
 </file>
 
-<file path=ppt/charts/chart1.xml><?xml version="1.0" encoding="utf-8"?>
-<c:chartSpace xmlns:c="http://schemas.openxmlformats.org/drawingml/2006/chart" xmlns:a="http://schemas.openxmlformats.org/drawingml/2006/main" xmlns:r="http://schemas.openxmlformats.org/officeDocument/2006/relationships" xmlns:c16r2="http://schemas.microsoft.com/office/drawing/2015/06/chart">
-  <c:date1904 val="0"/>
-  <c:lang val="en-US"/>
-  <c:roundedCorners val="0"/>
-  <mc:AlternateContent xmlns:mc="http://schemas.openxmlformats.org/markup-compatibility/2006">
-    <mc:Choice xmlns:c14="http://schemas.microsoft.com/office/drawing/2007/8/2/chart" Requires="c14">
-      <c14:style val="102"/>
-    </mc:Choice>
-    <mc:Fallback>
-      <c:style val="2"/>
-    </mc:Fallback>
-  </mc:AlternateContent>
-  <c:chart>
-    <c:title>
-      <c:overlay val="0"/>
-      <c:spPr>
-        <a:noFill/>
-        <a:ln>
-          <a:noFill/>
-        </a:ln>
-        <a:effectLst/>
-      </c:spPr>
-      <c:txPr>
-        <a:bodyPr rot="0" spcFirstLastPara="1" vertOverflow="ellipsis" vert="horz" wrap="square" anchor="ctr" anchorCtr="1"/>
-        <a:lstStyle/>
-        <a:p>
-          <a:pPr>
-            <a:defRPr sz="1862" b="0" i="0" u="none" strike="noStrike" kern="1200" spc="0" baseline="0">
-              <a:solidFill>
-                <a:schemeClr val="tx1">
-                  <a:lumMod val="65000"/>
-                  <a:lumOff val="35000"/>
-                </a:schemeClr>
-              </a:solidFill>
-              <a:latin typeface="+mn-lt"/>
-              <a:ea typeface="+mn-ea"/>
-              <a:cs typeface="+mn-cs"/>
-            </a:defRPr>
-          </a:pPr>
-          <a:endParaRPr lang="en-US"/>
-        </a:p>
-      </c:txPr>
-    </c:title>
-    <c:autoTitleDeleted val="0"/>
-    <c:plotArea>
-      <c:layout/>
-      <c:pieChart>
-        <c:varyColors val="1"/>
-        <c:ser>
-          <c:idx val="0"/>
-          <c:order val="0"/>
-          <c:tx>
-            <c:strRef>
-              <c:f>Sheet1!$B$1</c:f>
-              <c:strCache>
-                <c:ptCount val="1"/>
-                <c:pt idx="0">
-                  <c:v>Развитие на проекта</c:v>
-                </c:pt>
-              </c:strCache>
-            </c:strRef>
-          </c:tx>
-          <c:explosion val="5"/>
-          <c:dPt>
-            <c:idx val="0"/>
-            <c:bubble3D val="0"/>
-            <c:spPr>
-              <a:solidFill>
-                <a:schemeClr val="accent1"/>
-              </a:solidFill>
-              <a:ln w="19050">
-                <a:solidFill>
-                  <a:schemeClr val="lt1"/>
-                </a:solidFill>
-              </a:ln>
-              <a:effectLst/>
-            </c:spPr>
-          </c:dPt>
-          <c:dPt>
-            <c:idx val="1"/>
-            <c:bubble3D val="0"/>
-            <c:spPr>
-              <a:solidFill>
-                <a:schemeClr val="accent2"/>
-              </a:solidFill>
-              <a:ln w="19050">
-                <a:solidFill>
-                  <a:schemeClr val="lt1"/>
-                </a:solidFill>
-              </a:ln>
-              <a:effectLst/>
-            </c:spPr>
-          </c:dPt>
-          <c:cat>
-            <c:strRef>
-              <c:f>Sheet1!$A$2:$A$3</c:f>
-              <c:strCache>
-                <c:ptCount val="2"/>
-                <c:pt idx="0">
-                  <c:v>Създаване на C++ код за играта</c:v>
-                </c:pt>
-                <c:pt idx="1">
-                  <c:v>Свършване на документацията и на презентацията</c:v>
-                </c:pt>
-              </c:strCache>
-            </c:strRef>
-          </c:cat>
-          <c:val>
-            <c:numRef>
-              <c:f>Sheet1!$B$2:$B$3</c:f>
-              <c:numCache>
-                <c:formatCode>General</c:formatCode>
-                <c:ptCount val="2"/>
-                <c:pt idx="0">
-                  <c:v>8</c:v>
-                </c:pt>
-                <c:pt idx="1">
-                  <c:v>2</c:v>
-                </c:pt>
-              </c:numCache>
-            </c:numRef>
-          </c:val>
-          <c:extLst>
-            <c:ext xmlns:c16="http://schemas.microsoft.com/office/drawing/2014/chart" uri="{C3380CC4-5D6E-409C-BE32-E72D297353CC}">
-              <c16:uniqueId val="{00000000-EFE9-4EE8-A524-364661043A9C}"/>
-            </c:ext>
-          </c:extLst>
-        </c:ser>
-        <c:dLbls>
-          <c:showLegendKey val="0"/>
-          <c:showVal val="0"/>
-          <c:showCatName val="0"/>
-          <c:showSerName val="0"/>
-          <c:showPercent val="0"/>
-          <c:showBubbleSize val="0"/>
-          <c:showLeaderLines val="1"/>
-        </c:dLbls>
-        <c:firstSliceAng val="0"/>
-      </c:pieChart>
-      <c:spPr>
-        <a:noFill/>
-        <a:ln>
-          <a:noFill/>
-        </a:ln>
-        <a:effectLst/>
-      </c:spPr>
-    </c:plotArea>
-    <c:legend>
-      <c:legendPos val="b"/>
-      <c:overlay val="0"/>
-      <c:spPr>
-        <a:noFill/>
-        <a:ln>
-          <a:noFill/>
-        </a:ln>
-        <a:effectLst/>
-      </c:spPr>
-      <c:txPr>
-        <a:bodyPr rot="0" spcFirstLastPara="1" vertOverflow="ellipsis" vert="horz" wrap="square" anchor="ctr" anchorCtr="1"/>
-        <a:lstStyle/>
-        <a:p>
-          <a:pPr>
-            <a:defRPr sz="1197" b="0" i="0" u="none" strike="noStrike" kern="1200" baseline="0">
-              <a:solidFill>
-                <a:schemeClr val="tx1">
-                  <a:lumMod val="65000"/>
-                  <a:lumOff val="35000"/>
-                </a:schemeClr>
-              </a:solidFill>
-              <a:latin typeface="+mn-lt"/>
-              <a:ea typeface="+mn-ea"/>
-              <a:cs typeface="+mn-cs"/>
-            </a:defRPr>
-          </a:pPr>
-          <a:endParaRPr lang="en-US"/>
-        </a:p>
-      </c:txPr>
-    </c:legend>
-    <c:plotVisOnly val="1"/>
-    <c:dispBlanksAs val="gap"/>
-    <c:extLst>
-      <c:ext xmlns:c16r3="http://schemas.microsoft.com/office/drawing/2017/03/chart" uri="{56B9EC1D-385E-4148-901F-78D8002777C0}">
-        <c16r3:dataDisplayOptions16>
-          <c16r3:dispNaAsBlank val="1"/>
-        </c16r3:dataDisplayOptions16>
-      </c:ext>
-    </c:extLst>
-    <c:showDLblsOverMax val="0"/>
-  </c:chart>
-  <c:spPr>
-    <a:noFill/>
-    <a:ln>
-      <a:noFill/>
-    </a:ln>
-    <a:effectLst/>
-  </c:spPr>
-  <c:txPr>
-    <a:bodyPr/>
-    <a:lstStyle/>
-    <a:p>
-      <a:pPr>
-        <a:defRPr/>
-      </a:pPr>
-      <a:endParaRPr lang="en-US"/>
-    </a:p>
-  </c:txPr>
-  <c:externalData r:id="rId3">
-    <c:autoUpdate val="0"/>
-  </c:externalData>
-</c:chartSpace>
-</file>
-
-<file path=ppt/charts/colors1.xml><?xml version="1.0" encoding="utf-8"?>
-<cs:colorStyle xmlns:cs="http://schemas.microsoft.com/office/drawing/2012/chartStyle" xmlns:a="http://schemas.openxmlformats.org/drawingml/2006/main" meth="cycle" id="10">
-  <a:schemeClr val="accent1"/>
-  <a:schemeClr val="accent2"/>
-  <a:schemeClr val="accent3"/>
-  <a:schemeClr val="accent4"/>
-  <a:schemeClr val="accent5"/>
-  <a:schemeClr val="accent6"/>
-  <cs:variation/>
-  <cs:variation>
-    <a:lumMod val="60000"/>
-  </cs:variation>
-  <cs:variation>
-    <a:lumMod val="80000"/>
-    <a:lumOff val="20000"/>
-  </cs:variation>
-  <cs:variation>
-    <a:lumMod val="80000"/>
-  </cs:variation>
-  <cs:variation>
-    <a:lumMod val="60000"/>
-    <a:lumOff val="40000"/>
-  </cs:variation>
-  <cs:variation>
-    <a:lumMod val="50000"/>
-  </cs:variation>
-  <cs:variation>
-    <a:lumMod val="70000"/>
-    <a:lumOff val="30000"/>
-  </cs:variation>
-  <cs:variation>
-    <a:lumMod val="70000"/>
-  </cs:variation>
-  <cs:variation>
-    <a:lumMod val="50000"/>
-    <a:lumOff val="50000"/>
-  </cs:variation>
-</cs:colorStyle>
-</file>
-
-<file path=ppt/charts/style1.xml><?xml version="1.0" encoding="utf-8"?>
-<cs:chartStyle xmlns:cs="http://schemas.microsoft.com/office/drawing/2012/chartStyle" xmlns:a="http://schemas.openxmlformats.org/drawingml/2006/main" id="251">
-  <cs:axisTitle>
-    <cs:lnRef idx="0"/>
-    <cs:fillRef idx="0"/>
-    <cs:effectRef idx="0"/>
-    <cs:fontRef idx="minor">
-      <a:schemeClr val="tx1">
-        <a:lumMod val="65000"/>
-        <a:lumOff val="35000"/>
-      </a:schemeClr>
-    </cs:fontRef>
-    <cs:defRPr sz="1330" kern="1200"/>
-  </cs:axisTitle>
-  <cs:categoryAxis>
-    <cs:lnRef idx="0"/>
-    <cs:fillRef idx="0"/>
-    <cs:effectRef idx="0"/>
-    <cs:fontRef idx="minor">
-      <a:schemeClr val="tx1">
-        <a:lumMod val="65000"/>
-        <a:lumOff val="35000"/>
-      </a:schemeClr>
-    </cs:fontRef>
-    <cs:spPr>
-      <a:ln w="9525" cap="flat" cmpd="sng" algn="ctr">
-        <a:solidFill>
-          <a:schemeClr val="tx1">
-            <a:lumMod val="15000"/>
-            <a:lumOff val="85000"/>
-          </a:schemeClr>
-        </a:solidFill>
-        <a:round/>
-      </a:ln>
-    </cs:spPr>
-    <cs:defRPr sz="1197" kern="1200"/>
-  </cs:categoryAxis>
-  <cs:chartArea mods="allowNoFillOverride allowNoLineOverride">
-    <cs:lnRef idx="0"/>
-    <cs:fillRef idx="0"/>
-    <cs:effectRef idx="0"/>
-    <cs:fontRef idx="minor">
-      <a:schemeClr val="tx1"/>
-    </cs:fontRef>
-    <cs:spPr>
-      <a:solidFill>
-        <a:schemeClr val="bg1"/>
-      </a:solidFill>
-      <a:ln w="9525" cap="flat" cmpd="sng" algn="ctr">
-        <a:solidFill>
-          <a:schemeClr val="tx1">
-            <a:lumMod val="15000"/>
-            <a:lumOff val="85000"/>
-          </a:schemeClr>
-        </a:solidFill>
-        <a:round/>
-      </a:ln>
-    </cs:spPr>
-    <cs:defRPr sz="1197" kern="1200"/>
-  </cs:chartArea>
-  <cs:dataLabel>
-    <cs:lnRef idx="0"/>
-    <cs:fillRef idx="0"/>
-    <cs:effectRef idx="0"/>
-    <cs:fontRef idx="minor">
-      <a:schemeClr val="tx1">
-        <a:lumMod val="75000"/>
-        <a:lumOff val="25000"/>
-      </a:schemeClr>
-    </cs:fontRef>
-    <cs:defRPr sz="1197" kern="1200"/>
-  </cs:dataLabel>
-  <cs:dataLabelCallout>
-    <cs:lnRef idx="0"/>
-    <cs:fillRef idx="0"/>
-    <cs:effectRef idx="0"/>
-    <cs:fontRef idx="minor">
-      <a:schemeClr val="dk1">
-        <a:lumMod val="65000"/>
-        <a:lumOff val="35000"/>
-      </a:schemeClr>
-    </cs:fontRef>
-    <cs:spPr>
-      <a:solidFill>
-        <a:schemeClr val="lt1"/>
-      </a:solidFill>
-      <a:ln>
-        <a:solidFill>
-          <a:schemeClr val="dk1">
-            <a:lumMod val="25000"/>
-            <a:lumOff val="75000"/>
-          </a:schemeClr>
-        </a:solidFill>
-      </a:ln>
-    </cs:spPr>
-    <cs:defRPr sz="1197" kern="1200"/>
-    <cs:bodyPr rot="0" spcFirstLastPara="1" vertOverflow="clip" horzOverflow="clip" vert="horz" wrap="square" lIns="36576" tIns="18288" rIns="36576" bIns="18288" anchor="ctr" anchorCtr="1">
-      <a:spAutoFit/>
-    </cs:bodyPr>
-  </cs:dataLabelCallout>
-  <cs:dataPoint>
-    <cs:lnRef idx="0"/>
-    <cs:fillRef idx="1">
-      <cs:styleClr val="auto"/>
-    </cs:fillRef>
-    <cs:effectRef idx="0"/>
-    <cs:fontRef idx="minor">
-      <a:schemeClr val="tx1"/>
-    </cs:fontRef>
-    <cs:spPr>
-      <a:ln w="19050">
-        <a:solidFill>
-          <a:schemeClr val="lt1"/>
-        </a:solidFill>
-      </a:ln>
-    </cs:spPr>
-  </cs:dataPoint>
-  <cs:dataPoint3D>
-    <cs:lnRef idx="0"/>
-    <cs:fillRef idx="1">
-      <cs:styleClr val="auto"/>
-    </cs:fillRef>
-    <cs:effectRef idx="0"/>
-    <cs:fontRef idx="minor">
-      <a:schemeClr val="tx1"/>
-    </cs:fontRef>
-    <cs:spPr>
-      <a:ln w="25400">
-        <a:solidFill>
-          <a:schemeClr val="lt1"/>
-        </a:solidFill>
-      </a:ln>
-    </cs:spPr>
-  </cs:dataPoint3D>
-  <cs:dataPointLine>
-    <cs:lnRef idx="0">
-      <cs:styleClr val="auto"/>
-    </cs:lnRef>
-    <cs:fillRef idx="0"/>
-    <cs:effectRef idx="0"/>
-    <cs:fontRef idx="minor">
-      <a:schemeClr val="tx1"/>
-    </cs:fontRef>
-    <cs:spPr>
-      <a:ln w="28575" cap="rnd">
-        <a:solidFill>
-          <a:schemeClr val="phClr"/>
-        </a:solidFill>
-        <a:round/>
-      </a:ln>
-    </cs:spPr>
-  </cs:dataPointLine>
-  <cs:dataPointMarker>
-    <cs:lnRef idx="0">
-      <cs:styleClr val="auto"/>
-    </cs:lnRef>
-    <cs:fillRef idx="1">
-      <cs:styleClr val="auto"/>
-    </cs:fillRef>
-    <cs:effectRef idx="0"/>
-    <cs:fontRef idx="minor">
-      <a:schemeClr val="tx1"/>
-    </cs:fontRef>
-    <cs:spPr>
-      <a:ln w="9525">
-        <a:solidFill>
-          <a:schemeClr val="phClr"/>
-        </a:solidFill>
-      </a:ln>
-    </cs:spPr>
-  </cs:dataPointMarker>
-  <cs:dataPointMarkerLayout symbol="circle" size="5"/>
-  <cs:dataPointWireframe>
-    <cs:lnRef idx="0">
-      <cs:styleClr val="auto"/>
-    </cs:lnRef>
-    <cs:fillRef idx="0"/>
-    <cs:effectRef idx="0"/>
-    <cs:fontRef idx="minor">
-      <a:schemeClr val="tx1"/>
-    </cs:fontRef>
-    <cs:spPr>
-      <a:ln w="9525" cap="rnd">
-        <a:solidFill>
-          <a:schemeClr val="phClr"/>
-        </a:solidFill>
-        <a:round/>
-      </a:ln>
-    </cs:spPr>
-  </cs:dataPointWireframe>
-  <cs:dataTable>
-    <cs:lnRef idx="0"/>
-    <cs:fillRef idx="0"/>
-    <cs:effectRef idx="0"/>
-    <cs:fontRef idx="minor">
-      <a:schemeClr val="tx1">
-        <a:lumMod val="65000"/>
-        <a:lumOff val="35000"/>
-      </a:schemeClr>
-    </cs:fontRef>
-    <cs:spPr>
-      <a:noFill/>
-      <a:ln w="9525" cap="flat" cmpd="sng" algn="ctr">
-        <a:solidFill>
-          <a:schemeClr val="tx1">
-            <a:lumMod val="15000"/>
-            <a:lumOff val="85000"/>
-          </a:schemeClr>
-        </a:solidFill>
-        <a:round/>
-      </a:ln>
-    </cs:spPr>
-    <cs:defRPr sz="1197" kern="1200"/>
-  </cs:dataTable>
-  <cs:downBar>
-    <cs:lnRef idx="0"/>
-    <cs:fillRef idx="0"/>
-    <cs:effectRef idx="0"/>
-    <cs:fontRef idx="minor">
-      <a:schemeClr val="tx1"/>
-    </cs:fontRef>
-    <cs:spPr>
-      <a:solidFill>
-        <a:schemeClr val="dk1">
-          <a:lumMod val="75000"/>
-          <a:lumOff val="25000"/>
-        </a:schemeClr>
-      </a:solidFill>
-      <a:ln w="9525" cap="flat" cmpd="sng" algn="ctr">
-        <a:solidFill>
-          <a:schemeClr val="tx1">
-            <a:lumMod val="65000"/>
-            <a:lumOff val="35000"/>
-          </a:schemeClr>
-        </a:solidFill>
-        <a:round/>
-      </a:ln>
-    </cs:spPr>
-  </cs:downBar>
-  <cs:dropLine>
-    <cs:lnRef idx="0"/>
-    <cs:fillRef idx="0"/>
-    <cs:effectRef idx="0"/>
-    <cs:fontRef idx="minor">
-      <a:schemeClr val="tx1"/>
-    </cs:fontRef>
-    <cs:spPr>
-      <a:ln w="9525" cap="flat" cmpd="sng" algn="ctr">
-        <a:solidFill>
-          <a:schemeClr val="tx1">
-            <a:lumMod val="35000"/>
-            <a:lumOff val="65000"/>
-          </a:schemeClr>
-        </a:solidFill>
-        <a:round/>
-      </a:ln>
-    </cs:spPr>
-  </cs:dropLine>
-  <cs:errorBar>
-    <cs:lnRef idx="0"/>
-    <cs:fillRef idx="0"/>
-    <cs:effectRef idx="0"/>
-    <cs:fontRef idx="minor">
-      <a:schemeClr val="tx1"/>
-    </cs:fontRef>
-    <cs:spPr>
-      <a:ln w="9525" cap="flat" cmpd="sng" algn="ctr">
-        <a:solidFill>
-          <a:schemeClr val="tx1">
-            <a:lumMod val="65000"/>
-            <a:lumOff val="35000"/>
-          </a:schemeClr>
-        </a:solidFill>
-        <a:round/>
-      </a:ln>
-    </cs:spPr>
-  </cs:errorBar>
-  <cs:floor>
-    <cs:lnRef idx="0"/>
-    <cs:fillRef idx="0"/>
-    <cs:effectRef idx="0"/>
-    <cs:fontRef idx="minor">
-      <a:schemeClr val="tx1"/>
-    </cs:fontRef>
-    <cs:spPr>
-      <a:noFill/>
-      <a:ln>
-        <a:noFill/>
-      </a:ln>
-    </cs:spPr>
-  </cs:floor>
-  <cs:gridlineMajor>
-    <cs:lnRef idx="0"/>
-    <cs:fillRef idx="0"/>
-    <cs:effectRef idx="0"/>
-    <cs:fontRef idx="minor">
-      <a:schemeClr val="tx1"/>
-    </cs:fontRef>
-    <cs:spPr>
-      <a:ln w="9525" cap="flat" cmpd="sng" algn="ctr">
-        <a:solidFill>
-          <a:schemeClr val="tx1">
-            <a:lumMod val="15000"/>
-            <a:lumOff val="85000"/>
-          </a:schemeClr>
-        </a:solidFill>
-        <a:round/>
-      </a:ln>
-    </cs:spPr>
-  </cs:gridlineMajor>
-  <cs:gridlineMinor>
-    <cs:lnRef idx="0"/>
-    <cs:fillRef idx="0"/>
-    <cs:effectRef idx="0"/>
-    <cs:fontRef idx="minor">
-      <a:schemeClr val="tx1"/>
-    </cs:fontRef>
-    <cs:spPr>
-      <a:ln w="9525" cap="flat" cmpd="sng" algn="ctr">
-        <a:solidFill>
-          <a:schemeClr val="tx1">
-            <a:lumMod val="5000"/>
-            <a:lumOff val="95000"/>
-          </a:schemeClr>
-        </a:solidFill>
-        <a:round/>
-      </a:ln>
-    </cs:spPr>
-  </cs:gridlineMinor>
-  <cs:hiLoLine>
-    <cs:lnRef idx="0"/>
-    <cs:fillRef idx="0"/>
-    <cs:effectRef idx="0"/>
-    <cs:fontRef idx="minor">
-      <a:schemeClr val="tx1"/>
-    </cs:fontRef>
-    <cs:spPr>
-      <a:ln w="9525" cap="flat" cmpd="sng" algn="ctr">
-        <a:solidFill>
-          <a:schemeClr val="tx1">
-            <a:lumMod val="50000"/>
-            <a:lumOff val="50000"/>
-          </a:schemeClr>
-        </a:solidFill>
-        <a:round/>
-      </a:ln>
-    </cs:spPr>
-  </cs:hiLoLine>
-  <cs:leaderLine>
-    <cs:lnRef idx="0"/>
-    <cs:fillRef idx="0"/>
-    <cs:effectRef idx="0"/>
-    <cs:fontRef idx="minor">
-      <a:schemeClr val="tx1"/>
-    </cs:fontRef>
-    <cs:spPr>
-      <a:ln w="9525" cap="flat" cmpd="sng" algn="ctr">
-        <a:solidFill>
-          <a:schemeClr val="tx1">
-            <a:lumMod val="35000"/>
-            <a:lumOff val="65000"/>
-          </a:schemeClr>
-        </a:solidFill>
-        <a:round/>
-      </a:ln>
-    </cs:spPr>
-  </cs:leaderLine>
-  <cs:legend>
-    <cs:lnRef idx="0"/>
-    <cs:fillRef idx="0"/>
-    <cs:effectRef idx="0"/>
-    <cs:fontRef idx="minor">
-      <a:schemeClr val="tx1">
-        <a:lumMod val="65000"/>
-        <a:lumOff val="35000"/>
-      </a:schemeClr>
-    </cs:fontRef>
-    <cs:defRPr sz="1197" kern="1200"/>
-  </cs:legend>
-  <cs:plotArea mods="allowNoFillOverride allowNoLineOverride">
-    <cs:lnRef idx="0"/>
-    <cs:fillRef idx="0"/>
-    <cs:effectRef idx="0"/>
-    <cs:fontRef idx="minor">
-      <a:schemeClr val="tx1"/>
-    </cs:fontRef>
-  </cs:plotArea>
-  <cs:plotArea3D mods="allowNoFillOverride allowNoLineOverride">
-    <cs:lnRef idx="0"/>
-    <cs:fillRef idx="0"/>
-    <cs:effectRef idx="0"/>
-    <cs:fontRef idx="minor">
-      <a:schemeClr val="tx1"/>
-    </cs:fontRef>
-  </cs:plotArea3D>
-  <cs:seriesAxis>
-    <cs:lnRef idx="0"/>
-    <cs:fillRef idx="0"/>
-    <cs:effectRef idx="0"/>
-    <cs:fontRef idx="minor">
-      <a:schemeClr val="tx1">
-        <a:lumMod val="65000"/>
-        <a:lumOff val="35000"/>
-      </a:schemeClr>
-    </cs:fontRef>
-    <cs:defRPr sz="1197" kern="1200"/>
-  </cs:seriesAxis>
-  <cs:seriesLine>
-    <cs:lnRef idx="0"/>
-    <cs:fillRef idx="0"/>
-    <cs:effectRef idx="0"/>
-    <cs:fontRef idx="minor">
-      <a:schemeClr val="tx1"/>
-    </cs:fontRef>
-    <cs:spPr>
-      <a:ln w="9525" cap="flat" cmpd="sng" algn="ctr">
-        <a:solidFill>
-          <a:schemeClr val="tx1">
-            <a:lumMod val="35000"/>
-            <a:lumOff val="65000"/>
-          </a:schemeClr>
-        </a:solidFill>
-        <a:round/>
-      </a:ln>
-    </cs:spPr>
-  </cs:seriesLine>
-  <cs:title>
-    <cs:lnRef idx="0"/>
-    <cs:fillRef idx="0"/>
-    <cs:effectRef idx="0"/>
-    <cs:fontRef idx="minor">
-      <a:schemeClr val="tx1">
-        <a:lumMod val="65000"/>
-        <a:lumOff val="35000"/>
-      </a:schemeClr>
-    </cs:fontRef>
-    <cs:defRPr sz="1862" b="0" kern="1200" spc="0" baseline="0"/>
-  </cs:title>
-  <cs:trendline>
-    <cs:lnRef idx="0">
-      <cs:styleClr val="auto"/>
-    </cs:lnRef>
-    <cs:fillRef idx="0"/>
-    <cs:effectRef idx="0"/>
-    <cs:fontRef idx="minor">
-      <a:schemeClr val="tx1"/>
-    </cs:fontRef>
-    <cs:spPr>
-      <a:ln w="19050" cap="rnd">
-        <a:solidFill>
-          <a:schemeClr val="phClr"/>
-        </a:solidFill>
-        <a:prstDash val="sysDot"/>
-      </a:ln>
-    </cs:spPr>
-  </cs:trendline>
-  <cs:trendlineLabel>
-    <cs:lnRef idx="0"/>
-    <cs:fillRef idx="0"/>
-    <cs:effectRef idx="0"/>
-    <cs:fontRef idx="minor">
-      <a:schemeClr val="tx1">
-        <a:lumMod val="65000"/>
-        <a:lumOff val="35000"/>
-      </a:schemeClr>
-    </cs:fontRef>
-    <cs:defRPr sz="1197" kern="1200"/>
-  </cs:trendlineLabel>
-  <cs:upBar>
-    <cs:lnRef idx="0"/>
-    <cs:fillRef idx="0"/>
-    <cs:effectRef idx="0"/>
-    <cs:fontRef idx="minor">
-      <a:schemeClr val="tx1"/>
-    </cs:fontRef>
-    <cs:spPr>
-      <a:solidFill>
-        <a:schemeClr val="lt1"/>
-      </a:solidFill>
-      <a:ln w="9525" cap="flat" cmpd="sng" algn="ctr">
-        <a:solidFill>
-          <a:schemeClr val="tx1">
-            <a:lumMod val="65000"/>
-            <a:lumOff val="35000"/>
-          </a:schemeClr>
-        </a:solidFill>
-        <a:round/>
-      </a:ln>
-    </cs:spPr>
-  </cs:upBar>
-  <cs:valueAxis>
-    <cs:lnRef idx="0"/>
-    <cs:fillRef idx="0"/>
-    <cs:effectRef idx="0"/>
-    <cs:fontRef idx="minor">
-      <a:schemeClr val="tx1">
-        <a:lumMod val="65000"/>
-        <a:lumOff val="35000"/>
-      </a:schemeClr>
-    </cs:fontRef>
-    <cs:defRPr sz="1197" kern="1200"/>
-  </cs:valueAxis>
-  <cs:wall>
-    <cs:lnRef idx="0"/>
-    <cs:fillRef idx="0"/>
-    <cs:effectRef idx="0"/>
-    <cs:fontRef idx="minor">
-      <a:schemeClr val="tx1"/>
-    </cs:fontRef>
-    <cs:spPr>
-      <a:noFill/>
-      <a:ln>
-        <a:noFill/>
-      </a:ln>
-    </cs:spPr>
-  </cs:wall>
-</cs:chartStyle>
-</file>
-
 <file path=ppt/notesMasters/notesMaster1.xml><?xml version="1.0" encoding="utf-8"?>
 <p:notesMaster xmlns:a="http://schemas.openxmlformats.org/drawingml/2006/main" xmlns:r="http://schemas.openxmlformats.org/officeDocument/2006/relationships" xmlns:p="http://schemas.openxmlformats.org/presentationml/2006/main">
   <p:cSld>
@@ -977,7 +206,7 @@
           <a:p>
             <a:fld id="{2DCBCC25-1AB8-46FE-B748-5EB4197D1FC5}" type="datetimeFigureOut">
               <a:rPr lang="en-US" smtClean="0"/>
-              <a:t>12/10/2022</a:t>
+              <a:t>12/15/2022</a:t>
             </a:fld>
             <a:endParaRPr lang="en-US"/>
           </a:p>
@@ -1440,7 +669,7 @@
           <a:p>
             <a:fld id="{C8D715B0-D6D0-4585-A789-DDCFE88D8976}" type="datetimeFigureOut">
               <a:rPr lang="en-US" smtClean="0"/>
-              <a:t>12/10/2022</a:t>
+              <a:t>12/15/2022</a:t>
             </a:fld>
             <a:endParaRPr lang="en-US"/>
           </a:p>
@@ -1721,7 +950,7 @@
           <a:p>
             <a:fld id="{C8D715B0-D6D0-4585-A789-DDCFE88D8976}" type="datetimeFigureOut">
               <a:rPr lang="en-US" smtClean="0"/>
-              <a:t>12/10/2022</a:t>
+              <a:t>12/15/2022</a:t>
             </a:fld>
             <a:endParaRPr lang="en-US"/>
           </a:p>
@@ -1913,7 +1142,7 @@
           <a:p>
             <a:fld id="{C8D715B0-D6D0-4585-A789-DDCFE88D8976}" type="datetimeFigureOut">
               <a:rPr lang="en-US" smtClean="0"/>
-              <a:t>12/10/2022</a:t>
+              <a:t>12/15/2022</a:t>
             </a:fld>
             <a:endParaRPr lang="en-US"/>
           </a:p>
@@ -2174,7 +1403,7 @@
           <a:p>
             <a:fld id="{C8D715B0-D6D0-4585-A789-DDCFE88D8976}" type="datetimeFigureOut">
               <a:rPr lang="en-US" smtClean="0"/>
-              <a:t>12/10/2022</a:t>
+              <a:t>12/15/2022</a:t>
             </a:fld>
             <a:endParaRPr lang="en-US"/>
           </a:p>
@@ -2600,7 +1829,7 @@
           <a:p>
             <a:fld id="{C8D715B0-D6D0-4585-A789-DDCFE88D8976}" type="datetimeFigureOut">
               <a:rPr lang="en-US" smtClean="0"/>
-              <a:t>12/10/2022</a:t>
+              <a:t>12/15/2022</a:t>
             </a:fld>
             <a:endParaRPr lang="en-US"/>
           </a:p>
@@ -3146,7 +2375,7 @@
           <a:p>
             <a:fld id="{C8D715B0-D6D0-4585-A789-DDCFE88D8976}" type="datetimeFigureOut">
               <a:rPr lang="en-US" smtClean="0"/>
-              <a:t>12/10/2022</a:t>
+              <a:t>12/15/2022</a:t>
             </a:fld>
             <a:endParaRPr lang="en-US"/>
           </a:p>
@@ -3977,7 +3206,7 @@
           <a:p>
             <a:fld id="{C8D715B0-D6D0-4585-A789-DDCFE88D8976}" type="datetimeFigureOut">
               <a:rPr lang="en-US" smtClean="0"/>
-              <a:t>12/10/2022</a:t>
+              <a:t>12/15/2022</a:t>
             </a:fld>
             <a:endParaRPr lang="en-US"/>
           </a:p>
@@ -4147,7 +3376,7 @@
           <a:p>
             <a:fld id="{C8D715B0-D6D0-4585-A789-DDCFE88D8976}" type="datetimeFigureOut">
               <a:rPr lang="en-US" smtClean="0"/>
-              <a:t>12/10/2022</a:t>
+              <a:t>12/15/2022</a:t>
             </a:fld>
             <a:endParaRPr lang="en-US"/>
           </a:p>
@@ -4327,7 +3556,7 @@
           <a:p>
             <a:fld id="{C8D715B0-D6D0-4585-A789-DDCFE88D8976}" type="datetimeFigureOut">
               <a:rPr lang="en-US" smtClean="0"/>
-              <a:t>12/10/2022</a:t>
+              <a:t>12/15/2022</a:t>
             </a:fld>
             <a:endParaRPr lang="en-US"/>
           </a:p>
@@ -4497,7 +3726,7 @@
           <a:p>
             <a:fld id="{C8D715B0-D6D0-4585-A789-DDCFE88D8976}" type="datetimeFigureOut">
               <a:rPr lang="en-US" smtClean="0"/>
-              <a:t>12/10/2022</a:t>
+              <a:t>12/15/2022</a:t>
             </a:fld>
             <a:endParaRPr lang="en-US"/>
           </a:p>
@@ -4754,7 +3983,7 @@
           <a:p>
             <a:fld id="{C8D715B0-D6D0-4585-A789-DDCFE88D8976}" type="datetimeFigureOut">
               <a:rPr lang="en-US" smtClean="0"/>
-              <a:t>12/10/2022</a:t>
+              <a:t>12/15/2022</a:t>
             </a:fld>
             <a:endParaRPr lang="en-US"/>
           </a:p>
@@ -4986,7 +4215,7 @@
           <a:p>
             <a:fld id="{C8D715B0-D6D0-4585-A789-DDCFE88D8976}" type="datetimeFigureOut">
               <a:rPr lang="en-US" smtClean="0"/>
-              <a:t>12/10/2022</a:t>
+              <a:t>12/15/2022</a:t>
             </a:fld>
             <a:endParaRPr lang="en-US"/>
           </a:p>
@@ -5379,7 +4608,7 @@
           <a:p>
             <a:fld id="{C8D715B0-D6D0-4585-A789-DDCFE88D8976}" type="datetimeFigureOut">
               <a:rPr lang="en-US" smtClean="0"/>
-              <a:t>12/10/2022</a:t>
+              <a:t>12/15/2022</a:t>
             </a:fld>
             <a:endParaRPr lang="en-US"/>
           </a:p>
@@ -5497,7 +4726,7 @@
           <a:p>
             <a:fld id="{C8D715B0-D6D0-4585-A789-DDCFE88D8976}" type="datetimeFigureOut">
               <a:rPr lang="en-US" smtClean="0"/>
-              <a:t>12/10/2022</a:t>
+              <a:t>12/15/2022</a:t>
             </a:fld>
             <a:endParaRPr lang="en-US"/>
           </a:p>
@@ -5592,7 +4821,7 @@
           <a:p>
             <a:fld id="{C8D715B0-D6D0-4585-A789-DDCFE88D8976}" type="datetimeFigureOut">
               <a:rPr lang="en-US" smtClean="0"/>
-              <a:t>12/10/2022</a:t>
+              <a:t>12/15/2022</a:t>
             </a:fld>
             <a:endParaRPr lang="en-US"/>
           </a:p>
@@ -5865,7 +5094,7 @@
           <a:p>
             <a:fld id="{C8D715B0-D6D0-4585-A789-DDCFE88D8976}" type="datetimeFigureOut">
               <a:rPr lang="en-US" smtClean="0"/>
-              <a:t>12/10/2022</a:t>
+              <a:t>12/15/2022</a:t>
             </a:fld>
             <a:endParaRPr lang="en-US"/>
           </a:p>
@@ -6146,7 +5375,7 @@
           <a:p>
             <a:fld id="{C8D715B0-D6D0-4585-A789-DDCFE88D8976}" type="datetimeFigureOut">
               <a:rPr lang="en-US" smtClean="0"/>
-              <a:t>12/10/2022</a:t>
+              <a:t>12/15/2022</a:t>
             </a:fld>
             <a:endParaRPr lang="en-US"/>
           </a:p>
@@ -6386,7 +5615,7 @@
           <a:p>
             <a:fld id="{C8D715B0-D6D0-4585-A789-DDCFE88D8976}" type="datetimeFigureOut">
               <a:rPr lang="en-US" smtClean="0"/>
-              <a:t>12/10/2022</a:t>
+              <a:t>12/15/2022</a:t>
             </a:fld>
             <a:endParaRPr lang="en-US"/>
           </a:p>
@@ -7011,7 +6240,7 @@
           <a:p>
             <a:r>
               <a:rPr lang="en-US" dirty="0"/>
-              <a:t>Math games 2022</a:t>
+              <a:t>Word games 2022</a:t>
             </a:r>
           </a:p>
         </p:txBody>
@@ -7026,13 +6255,13 @@
   <p:clrMapOvr>
     <a:masterClrMapping/>
   </p:clrMapOvr>
-  <mc:AlternateContent xmlns:mc="http://schemas.openxmlformats.org/markup-compatibility/2006">
-    <mc:Choice xmlns:p15="http://schemas.microsoft.com/office/powerpoint/2012/main" Requires="p15">
+  <mc:AlternateContent xmlns:mc="http://schemas.openxmlformats.org/markup-compatibility/2006" xmlns:p15="http://schemas.microsoft.com/office/powerpoint/2012/main">
+    <mc:Choice Requires="p15">
       <p:transition xmlns:p14="http://schemas.microsoft.com/office/powerpoint/2010/main" spd="slow" p14:dur="5000">
         <p15:prstTrans prst="curtains"/>
       </p:transition>
     </mc:Choice>
-    <mc:Fallback>
+    <mc:Fallback xmlns="">
       <p:transition spd="slow">
         <p:fade/>
       </p:transition>
@@ -7256,6 +6485,72 @@
 </p:sld>
 </file>
 
+<file path=ppt/slides/slide10.xml><?xml version="1.0" encoding="utf-8"?>
+<p:sld xmlns:a="http://schemas.openxmlformats.org/drawingml/2006/main" xmlns:r="http://schemas.openxmlformats.org/officeDocument/2006/relationships" xmlns:p="http://schemas.openxmlformats.org/presentationml/2006/main">
+  <p:cSld>
+    <p:spTree>
+      <p:nvGrpSpPr>
+        <p:cNvPr id="1" name=""/>
+        <p:cNvGrpSpPr/>
+        <p:nvPr/>
+      </p:nvGrpSpPr>
+      <p:grpSpPr>
+        <a:xfrm>
+          <a:off x="0" y="0"/>
+          <a:ext cx="0" cy="0"/>
+          <a:chOff x="0" y="0"/>
+          <a:chExt cx="0" cy="0"/>
+        </a:xfrm>
+      </p:grpSpPr>
+      <p:sp>
+        <p:nvSpPr>
+          <p:cNvPr id="2" name="TextBox 1">
+            <a:extLst>
+              <a:ext uri="{FF2B5EF4-FFF2-40B4-BE49-F238E27FC236}">
+                <a16:creationId xmlns:a16="http://schemas.microsoft.com/office/drawing/2014/main" id="{1318C653-E55E-470D-9EA4-E72D6BCEF07F}"/>
+              </a:ext>
+            </a:extLst>
+          </p:cNvPr>
+          <p:cNvSpPr txBox="1"/>
+          <p:nvPr/>
+        </p:nvSpPr>
+        <p:spPr>
+          <a:xfrm>
+            <a:off x="1179444" y="1613118"/>
+            <a:ext cx="10164417" cy="3631763"/>
+          </a:xfrm>
+          <a:prstGeom prst="rect">
+            <a:avLst/>
+          </a:prstGeom>
+          <a:noFill/>
+        </p:spPr>
+        <p:txBody>
+          <a:bodyPr wrap="square" rtlCol="0">
+            <a:spAutoFit/>
+          </a:bodyPr>
+          <a:lstStyle/>
+          <a:p>
+            <a:pPr algn="ctr"/>
+            <a:r>
+              <a:rPr lang="bg-BG" sz="11500" i="1" dirty="0"/>
+              <a:t>Нека преминем към играта</a:t>
+            </a:r>
+          </a:p>
+        </p:txBody>
+      </p:sp>
+    </p:spTree>
+    <p:extLst>
+      <p:ext uri="{BB962C8B-B14F-4D97-AF65-F5344CB8AC3E}">
+        <p14:creationId xmlns:p14="http://schemas.microsoft.com/office/powerpoint/2010/main" val="1328853633"/>
+      </p:ext>
+    </p:extLst>
+  </p:cSld>
+  <p:clrMapOvr>
+    <a:masterClrMapping/>
+  </p:clrMapOvr>
+</p:sld>
+</file>
+
 <file path=ppt/slides/slide2.xml><?xml version="1.0" encoding="utf-8"?>
 <p:sld xmlns:a="http://schemas.openxmlformats.org/drawingml/2006/main" xmlns:r="http://schemas.openxmlformats.org/officeDocument/2006/relationships" xmlns:p="http://schemas.openxmlformats.org/presentationml/2006/main">
   <p:cSld>
@@ -7419,7 +6714,7 @@
         </p:nvSpPr>
         <p:spPr>
           <a:xfrm>
-            <a:off x="1332755" y="4400154"/>
+            <a:off x="4475450" y="4127100"/>
             <a:ext cx="1420585" cy="1420585"/>
           </a:xfrm>
           <a:prstGeom prst="donut">
@@ -7457,56 +6752,6 @@
       </p:sp>
       <p:sp>
         <p:nvSpPr>
-          <p:cNvPr id="7" name="Circle: Hollow 6">
-            <a:extLst>
-              <a:ext uri="{FF2B5EF4-FFF2-40B4-BE49-F238E27FC236}">
-                <a16:creationId xmlns:a16="http://schemas.microsoft.com/office/drawing/2014/main" id="{AC8F4F1C-7EF0-B9D7-BE2A-5F5BE02C5AAB}"/>
-              </a:ext>
-            </a:extLst>
-          </p:cNvPr>
-          <p:cNvSpPr/>
-          <p:nvPr/>
-        </p:nvSpPr>
-        <p:spPr>
-          <a:xfrm>
-            <a:off x="7487720" y="4400154"/>
-            <a:ext cx="1420585" cy="1420585"/>
-          </a:xfrm>
-          <a:prstGeom prst="donut">
-            <a:avLst/>
-          </a:prstGeom>
-        </p:spPr>
-        <p:style>
-          <a:lnRef idx="2">
-            <a:schemeClr val="accent1">
-              <a:shade val="50000"/>
-            </a:schemeClr>
-          </a:lnRef>
-          <a:fillRef idx="1">
-            <a:schemeClr val="accent1"/>
-          </a:fillRef>
-          <a:effectRef idx="0">
-            <a:schemeClr val="accent1"/>
-          </a:effectRef>
-          <a:fontRef idx="minor">
-            <a:schemeClr val="lt1"/>
-          </a:fontRef>
-        </p:style>
-        <p:txBody>
-          <a:bodyPr rtlCol="0" anchor="ctr"/>
-          <a:lstStyle/>
-          <a:p>
-            <a:pPr algn="ctr"/>
-            <a:endParaRPr lang="en-US">
-              <a:solidFill>
-                <a:schemeClr val="tx1"/>
-              </a:solidFill>
-            </a:endParaRPr>
-          </a:p>
-        </p:txBody>
-      </p:sp>
-      <p:sp>
-        <p:nvSpPr>
           <p:cNvPr id="8" name="TextBox 7">
             <a:extLst>
               <a:ext uri="{FF2B5EF4-FFF2-40B4-BE49-F238E27FC236}">
@@ -7671,7 +6916,7 @@
         </p:nvSpPr>
         <p:spPr>
           <a:xfrm>
-            <a:off x="2900298" y="4756503"/>
+            <a:off x="6042993" y="4483449"/>
             <a:ext cx="1812471" cy="707886"/>
           </a:xfrm>
           <a:prstGeom prst="rect">
@@ -7688,42 +6933,6 @@
             <a:r>
               <a:rPr lang="bg-BG" sz="2000" b="1" dirty="0"/>
               <a:t>Развитие на проекта</a:t>
-            </a:r>
-            <a:endParaRPr lang="en-US" sz="2000" b="1" dirty="0"/>
-          </a:p>
-        </p:txBody>
-      </p:sp>
-      <p:sp>
-        <p:nvSpPr>
-          <p:cNvPr id="13" name="TextBox 12">
-            <a:extLst>
-              <a:ext uri="{FF2B5EF4-FFF2-40B4-BE49-F238E27FC236}">
-                <a16:creationId xmlns:a16="http://schemas.microsoft.com/office/drawing/2014/main" id="{EB5398B6-1718-27D6-6210-B031B6B0E64A}"/>
-              </a:ext>
-            </a:extLst>
-          </p:cNvPr>
-          <p:cNvSpPr txBox="1"/>
-          <p:nvPr/>
-        </p:nvSpPr>
-        <p:spPr>
-          <a:xfrm>
-            <a:off x="9143015" y="4756503"/>
-            <a:ext cx="1741714" cy="707886"/>
-          </a:xfrm>
-          <a:prstGeom prst="rect">
-            <a:avLst/>
-          </a:prstGeom>
-          <a:noFill/>
-        </p:spPr>
-        <p:txBody>
-          <a:bodyPr wrap="square" rtlCol="0">
-            <a:spAutoFit/>
-          </a:bodyPr>
-          <a:lstStyle/>
-          <a:p>
-            <a:r>
-              <a:rPr lang="bg-BG" sz="2000" b="1" dirty="0"/>
-              <a:t>Завършване на проекта</a:t>
             </a:r>
             <a:endParaRPr lang="en-US" sz="2000" b="1" dirty="0"/>
           </a:p>
@@ -7743,7 +6952,7 @@
         </p:nvSpPr>
         <p:spPr>
           <a:xfrm>
-            <a:off x="1855510" y="4710522"/>
+            <a:off x="4998205" y="4437468"/>
             <a:ext cx="947058" cy="646331"/>
           </a:xfrm>
           <a:prstGeom prst="rect">
@@ -7760,42 +6969,6 @@
             <a:r>
               <a:rPr lang="bg-BG" sz="3600" dirty="0"/>
               <a:t>3</a:t>
-            </a:r>
-            <a:endParaRPr lang="en-US" sz="3600" dirty="0"/>
-          </a:p>
-        </p:txBody>
-      </p:sp>
-      <p:sp>
-        <p:nvSpPr>
-          <p:cNvPr id="15" name="TextBox 14">
-            <a:extLst>
-              <a:ext uri="{FF2B5EF4-FFF2-40B4-BE49-F238E27FC236}">
-                <a16:creationId xmlns:a16="http://schemas.microsoft.com/office/drawing/2014/main" id="{8E73EFEA-3AD3-0582-E6E0-127E02D96FB5}"/>
-              </a:ext>
-            </a:extLst>
-          </p:cNvPr>
-          <p:cNvSpPr txBox="1"/>
-          <p:nvPr/>
-        </p:nvSpPr>
-        <p:spPr>
-          <a:xfrm>
-            <a:off x="7985914" y="4710521"/>
-            <a:ext cx="604157" cy="646331"/>
-          </a:xfrm>
-          <a:prstGeom prst="rect">
-            <a:avLst/>
-          </a:prstGeom>
-          <a:noFill/>
-        </p:spPr>
-        <p:txBody>
-          <a:bodyPr wrap="square" rtlCol="0">
-            <a:spAutoFit/>
-          </a:bodyPr>
-          <a:lstStyle/>
-          <a:p>
-            <a:r>
-              <a:rPr lang="bg-BG" sz="3600" dirty="0"/>
-              <a:t>4</a:t>
             </a:r>
             <a:endParaRPr lang="en-US" sz="3600" dirty="0"/>
           </a:p>
@@ -8497,228 +7670,6 @@
                             </p:childTnLst>
                           </p:cTn>
                         </p:par>
-                        <p:par>
-                          <p:cTn id="58" fill="hold">
-                            <p:stCondLst>
-                              <p:cond delay="10350"/>
-                            </p:stCondLst>
-                            <p:childTnLst>
-                              <p:par>
-                                <p:cTn id="59" presetID="52" presetClass="entr" presetSubtype="0" fill="hold" grpId="0" nodeType="afterEffect">
-                                  <p:stCondLst>
-                                    <p:cond delay="0"/>
-                                  </p:stCondLst>
-                                  <p:childTnLst>
-                                    <p:set>
-                                      <p:cBhvr>
-                                        <p:cTn id="60" dur="1" fill="hold">
-                                          <p:stCondLst>
-                                            <p:cond delay="0"/>
-                                          </p:stCondLst>
-                                        </p:cTn>
-                                        <p:tgtEl>
-                                          <p:spTgt spid="7"/>
-                                        </p:tgtEl>
-                                        <p:attrNameLst>
-                                          <p:attrName>style.visibility</p:attrName>
-                                        </p:attrNameLst>
-                                      </p:cBhvr>
-                                      <p:to>
-                                        <p:strVal val="visible"/>
-                                      </p:to>
-                                    </p:set>
-                                    <p:animScale>
-                                      <p:cBhvr>
-                                        <p:cTn id="61" dur="1150" decel="50000" fill="hold">
-                                          <p:stCondLst>
-                                            <p:cond delay="0"/>
-                                          </p:stCondLst>
-                                        </p:cTn>
-                                        <p:tgtEl>
-                                          <p:spTgt spid="7"/>
-                                        </p:tgtEl>
-                                      </p:cBhvr>
-                                      <p:from x="250000" y="250000"/>
-                                      <p:to x="100000" y="100000"/>
-                                    </p:animScale>
-                                    <p:animMotion origin="layout" path="M -0.46736 0.92887  C -0.37517 0.88508  -0.02552 0.75279  0.0908 0.66613  C  0.20747 0.57948  0.21649 0.50394  0.23177 0.40825  C 0.24705 0.31256  0.22118 0.15964   0.18264 0.09152  C 0.1441 0.02341  0.03802 0.0  0.0 0.0  " pathEditMode="relative" ptsTypes="">
-                                      <p:cBhvr>
-                                        <p:cTn id="62" dur="1150" decel="50000" fill="hold">
-                                          <p:stCondLst>
-                                            <p:cond delay="0"/>
-                                          </p:stCondLst>
-                                        </p:cTn>
-                                        <p:tgtEl>
-                                          <p:spTgt spid="7"/>
-                                        </p:tgtEl>
-                                        <p:attrNameLst>
-                                          <p:attrName>ppt_x</p:attrName>
-                                          <p:attrName>ppt_y</p:attrName>
-                                        </p:attrNameLst>
-                                      </p:cBhvr>
-                                    </p:animMotion>
-                                    <p:animEffect transition="in" filter="fade">
-                                      <p:cBhvr>
-                                        <p:cTn id="63" dur="1150"/>
-                                        <p:tgtEl>
-                                          <p:spTgt spid="7"/>
-                                        </p:tgtEl>
-                                      </p:cBhvr>
-                                    </p:animEffect>
-                                  </p:childTnLst>
-                                </p:cTn>
-                              </p:par>
-                            </p:childTnLst>
-                          </p:cTn>
-                        </p:par>
-                        <p:par>
-                          <p:cTn id="64" fill="hold">
-                            <p:stCondLst>
-                              <p:cond delay="11500"/>
-                            </p:stCondLst>
-                            <p:childTnLst>
-                              <p:par>
-                                <p:cTn id="65" presetID="52" presetClass="entr" presetSubtype="0" fill="hold" grpId="0" nodeType="afterEffect">
-                                  <p:stCondLst>
-                                    <p:cond delay="0"/>
-                                  </p:stCondLst>
-                                  <p:childTnLst>
-                                    <p:set>
-                                      <p:cBhvr>
-                                        <p:cTn id="66" dur="1" fill="hold">
-                                          <p:stCondLst>
-                                            <p:cond delay="0"/>
-                                          </p:stCondLst>
-                                        </p:cTn>
-                                        <p:tgtEl>
-                                          <p:spTgt spid="13"/>
-                                        </p:tgtEl>
-                                        <p:attrNameLst>
-                                          <p:attrName>style.visibility</p:attrName>
-                                        </p:attrNameLst>
-                                      </p:cBhvr>
-                                      <p:to>
-                                        <p:strVal val="visible"/>
-                                      </p:to>
-                                    </p:set>
-                                    <p:animScale>
-                                      <p:cBhvr>
-                                        <p:cTn id="67" dur="1150" decel="50000" fill="hold">
-                                          <p:stCondLst>
-                                            <p:cond delay="0"/>
-                                          </p:stCondLst>
-                                        </p:cTn>
-                                        <p:tgtEl>
-                                          <p:spTgt spid="13"/>
-                                        </p:tgtEl>
-                                      </p:cBhvr>
-                                      <p:from x="250000" y="250000"/>
-                                      <p:to x="100000" y="100000"/>
-                                    </p:animScale>
-                                    <p:animMotion origin="layout" path="M -0.46736 0.92887  C -0.37517 0.88508  -0.02552 0.75279  0.0908 0.66613  C  0.20747 0.57948  0.21649 0.50394  0.23177 0.40825  C 0.24705 0.31256  0.22118 0.15964   0.18264 0.09152  C 0.1441 0.02341  0.03802 0.0  0.0 0.0  " pathEditMode="relative" ptsTypes="">
-                                      <p:cBhvr>
-                                        <p:cTn id="68" dur="1150" decel="50000" fill="hold">
-                                          <p:stCondLst>
-                                            <p:cond delay="0"/>
-                                          </p:stCondLst>
-                                        </p:cTn>
-                                        <p:tgtEl>
-                                          <p:spTgt spid="13"/>
-                                        </p:tgtEl>
-                                        <p:attrNameLst>
-                                          <p:attrName>ppt_x</p:attrName>
-                                          <p:attrName>ppt_y</p:attrName>
-                                        </p:attrNameLst>
-                                      </p:cBhvr>
-                                    </p:animMotion>
-                                    <p:animEffect transition="in" filter="fade">
-                                      <p:cBhvr>
-                                        <p:cTn id="69" dur="1150"/>
-                                        <p:tgtEl>
-                                          <p:spTgt spid="13"/>
-                                        </p:tgtEl>
-                                      </p:cBhvr>
-                                    </p:animEffect>
-                                  </p:childTnLst>
-                                </p:cTn>
-                              </p:par>
-                            </p:childTnLst>
-                          </p:cTn>
-                        </p:par>
-                        <p:par>
-                          <p:cTn id="70" fill="hold">
-                            <p:stCondLst>
-                              <p:cond delay="12650"/>
-                            </p:stCondLst>
-                            <p:childTnLst>
-                              <p:par>
-                                <p:cTn id="71" presetID="52" presetClass="entr" presetSubtype="0" fill="hold" grpId="0" nodeType="afterEffect">
-                                  <p:stCondLst>
-                                    <p:cond delay="0"/>
-                                  </p:stCondLst>
-                                  <p:childTnLst>
-                                    <p:set>
-                                      <p:cBhvr>
-                                        <p:cTn id="72" dur="1" fill="hold">
-                                          <p:stCondLst>
-                                            <p:cond delay="0"/>
-                                          </p:stCondLst>
-                                        </p:cTn>
-                                        <p:tgtEl>
-                                          <p:spTgt spid="15"/>
-                                        </p:tgtEl>
-                                        <p:attrNameLst>
-                                          <p:attrName>style.visibility</p:attrName>
-                                        </p:attrNameLst>
-                                      </p:cBhvr>
-                                      <p:to>
-                                        <p:strVal val="visible"/>
-                                      </p:to>
-                                    </p:set>
-                                    <p:animScale>
-                                      <p:cBhvr>
-                                        <p:cTn id="73" dur="1150" decel="50000" fill="hold">
-                                          <p:stCondLst>
-                                            <p:cond delay="0"/>
-                                          </p:stCondLst>
-                                        </p:cTn>
-                                        <p:tgtEl>
-                                          <p:spTgt spid="15"/>
-                                        </p:tgtEl>
-                                      </p:cBhvr>
-                                      <p:from x="250000" y="250000"/>
-                                      <p:to x="100000" y="100000"/>
-                                    </p:animScale>
-                                    <p:animMotion origin="layout" path="M -0.46736 0.92887  C -0.37517 0.88508  -0.02552 0.75279  0.0908 0.66613  C  0.20747 0.57948  0.21649 0.50394  0.23177 0.40825  C 0.24705 0.31256  0.22118 0.15964   0.18264 0.09152  C 0.1441 0.02341  0.03802 0.0  0.0 0.0  " pathEditMode="relative" ptsTypes="">
-                                      <p:cBhvr>
-                                        <p:cTn id="74" dur="1150" decel="50000" fill="hold">
-                                          <p:stCondLst>
-                                            <p:cond delay="0"/>
-                                          </p:stCondLst>
-                                        </p:cTn>
-                                        <p:tgtEl>
-                                          <p:spTgt spid="15"/>
-                                        </p:tgtEl>
-                                        <p:attrNameLst>
-                                          <p:attrName>ppt_x</p:attrName>
-                                          <p:attrName>ppt_y</p:attrName>
-                                        </p:attrNameLst>
-                                      </p:cBhvr>
-                                    </p:animMotion>
-                                    <p:animEffect transition="in" filter="fade">
-                                      <p:cBhvr>
-                                        <p:cTn id="75" dur="1150"/>
-                                        <p:tgtEl>
-                                          <p:spTgt spid="15"/>
-                                        </p:tgtEl>
-                                      </p:cBhvr>
-                                    </p:animEffect>
-                                  </p:childTnLst>
-                                </p:cTn>
-                              </p:par>
-                            </p:childTnLst>
-                          </p:cTn>
-                        </p:par>
                       </p:childTnLst>
                     </p:cTn>
                   </p:par>
@@ -8747,15 +7698,12 @@
       <p:bldP spid="4" grpId="0" animBg="1"/>
       <p:bldP spid="5" grpId="0" animBg="1"/>
       <p:bldP spid="6" grpId="0" animBg="1"/>
-      <p:bldP spid="7" grpId="0" animBg="1"/>
       <p:bldP spid="8" grpId="0"/>
       <p:bldP spid="9" grpId="0"/>
       <p:bldP spid="10" grpId="0"/>
       <p:bldP spid="11" grpId="0"/>
       <p:bldP spid="12" grpId="0"/>
-      <p:bldP spid="13" grpId="0"/>
       <p:bldP spid="14" grpId="0"/>
-      <p:bldP spid="15" grpId="0"/>
     </p:bldLst>
   </p:timing>
 </p:sld>
@@ -8778,56 +7726,36 @@
           <a:chExt cx="0" cy="0"/>
         </a:xfrm>
       </p:grpSpPr>
-      <p:sp>
-        <p:nvSpPr>
-          <p:cNvPr id="4" name="Circle: Hollow 3">
+      <p:pic>
+        <p:nvPicPr>
+          <p:cNvPr id="2" name="Picture 1">
             <a:extLst>
               <a:ext uri="{FF2B5EF4-FFF2-40B4-BE49-F238E27FC236}">
-                <a16:creationId xmlns:a16="http://schemas.microsoft.com/office/drawing/2014/main" id="{BA971BFE-89E2-C3E4-9469-8BE0DE2D3284}"/>
+                <a16:creationId xmlns:a16="http://schemas.microsoft.com/office/drawing/2014/main" id="{706ACD95-F92B-AC04-8D58-4081DF8460E8}"/>
               </a:ext>
             </a:extLst>
           </p:cNvPr>
-          <p:cNvSpPr/>
+          <p:cNvPicPr>
+            <a:picLocks noChangeAspect="1"/>
+          </p:cNvPicPr>
           <p:nvPr/>
-        </p:nvSpPr>
+        </p:nvPicPr>
+        <p:blipFill>
+          <a:blip r:embed="rId2"/>
+          <a:stretch>
+            <a:fillRect/>
+          </a:stretch>
+        </p:blipFill>
         <p:spPr>
           <a:xfrm>
-            <a:off x="4955877" y="2288877"/>
-            <a:ext cx="2280245" cy="2280245"/>
+            <a:off x="4730371" y="1333373"/>
+            <a:ext cx="2731245" cy="2530059"/>
           </a:xfrm>
-          <a:prstGeom prst="donut">
+          <a:prstGeom prst="rect">
             <a:avLst/>
           </a:prstGeom>
         </p:spPr>
-        <p:style>
-          <a:lnRef idx="2">
-            <a:schemeClr val="accent1">
-              <a:shade val="50000"/>
-            </a:schemeClr>
-          </a:lnRef>
-          <a:fillRef idx="1">
-            <a:schemeClr val="accent1"/>
-          </a:fillRef>
-          <a:effectRef idx="0">
-            <a:schemeClr val="accent1"/>
-          </a:effectRef>
-          <a:fontRef idx="minor">
-            <a:schemeClr val="lt1"/>
-          </a:fontRef>
-        </p:style>
-        <p:txBody>
-          <a:bodyPr rtlCol="0" anchor="ctr"/>
-          <a:lstStyle/>
-          <a:p>
-            <a:pPr algn="ctr"/>
-            <a:endParaRPr lang="en-US">
-              <a:solidFill>
-                <a:schemeClr val="tx1"/>
-              </a:solidFill>
-            </a:endParaRPr>
-          </a:p>
-        </p:txBody>
-      </p:sp>
+      </p:pic>
       <p:sp>
         <p:nvSpPr>
           <p:cNvPr id="5" name="TextBox 4">
@@ -8842,8 +7770,8 @@
         </p:nvSpPr>
         <p:spPr>
           <a:xfrm>
-            <a:off x="5817134" y="2855855"/>
-            <a:ext cx="697811" cy="1015663"/>
+            <a:off x="5747087" y="1692880"/>
+            <a:ext cx="697811" cy="1569660"/>
           </a:xfrm>
           <a:prstGeom prst="rect">
             <a:avLst/>
@@ -8857,10 +7785,10 @@
           <a:lstStyle/>
           <a:p>
             <a:r>
-              <a:rPr lang="bg-BG" sz="6000" dirty="0"/>
+              <a:rPr lang="bg-BG" sz="9600" dirty="0"/>
               <a:t>1</a:t>
             </a:r>
-            <a:endParaRPr lang="en-US" sz="6000" dirty="0"/>
+            <a:endParaRPr lang="en-US" sz="9600" dirty="0"/>
           </a:p>
         </p:txBody>
       </p:sp>
@@ -8878,8 +7806,8 @@
         </p:nvSpPr>
         <p:spPr>
           <a:xfrm>
-            <a:off x="3464117" y="4959386"/>
-            <a:ext cx="5263763" cy="707886"/>
+            <a:off x="3349266" y="4222939"/>
+            <a:ext cx="5493452" cy="1107996"/>
           </a:xfrm>
           <a:prstGeom prst="rect">
             <a:avLst/>
@@ -8894,10 +7822,10 @@
           <a:p>
             <a:pPr algn="ctr"/>
             <a:r>
-              <a:rPr lang="bg-BG" sz="4000" dirty="0"/>
+              <a:rPr lang="bg-BG" sz="6600" dirty="0"/>
               <a:t>Нашият отбор</a:t>
             </a:r>
-            <a:endParaRPr lang="en-US" sz="4000" dirty="0"/>
+            <a:endParaRPr lang="en-US" sz="6600" dirty="0"/>
           </a:p>
         </p:txBody>
       </p:sp>
@@ -8911,13 +7839,13 @@
   <p:clrMapOvr>
     <a:masterClrMapping/>
   </p:clrMapOvr>
-  <mc:AlternateContent xmlns:mc="http://schemas.openxmlformats.org/markup-compatibility/2006">
-    <mc:Choice xmlns:p14="http://schemas.microsoft.com/office/powerpoint/2010/main" Requires="p14">
+  <mc:AlternateContent xmlns:mc="http://schemas.openxmlformats.org/markup-compatibility/2006" xmlns:p14="http://schemas.microsoft.com/office/powerpoint/2010/main">
+    <mc:Choice Requires="p14">
       <p:transition spd="slow" p14:dur="1600">
         <p:blinds dir="vert"/>
       </p:transition>
     </mc:Choice>
-    <mc:Fallback>
+    <mc:Fallback xmlns="">
       <p:transition spd="slow">
         <p:blinds dir="vert"/>
       </p:transition>
@@ -8960,7 +7888,7 @@
                                           </p:stCondLst>
                                         </p:cTn>
                                         <p:tgtEl>
-                                          <p:spTgt spid="4"/>
+                                          <p:spTgt spid="5"/>
                                         </p:tgtEl>
                                         <p:attrNameLst>
                                           <p:attrName>style.visibility</p:attrName>
@@ -8974,7 +7902,7 @@
                                       <p:cBhvr>
                                         <p:cTn id="7" dur="100"/>
                                         <p:tgtEl>
-                                          <p:spTgt spid="4"/>
+                                          <p:spTgt spid="5"/>
                                         </p:tgtEl>
                                       </p:cBhvr>
                                     </p:animEffect>
@@ -8982,7 +7910,7 @@
                                       <p:cBhvr>
                                         <p:cTn id="8" dur="400" fill="hold"/>
                                         <p:tgtEl>
-                                          <p:spTgt spid="4"/>
+                                          <p:spTgt spid="5"/>
                                         </p:tgtEl>
                                         <p:attrNameLst>
                                           <p:attrName>ppt_x</p:attrName>
@@ -9005,7 +7933,7 @@
                                       <p:cBhvr>
                                         <p:cTn id="9" dur="400" fill="hold"/>
                                         <p:tgtEl>
-                                          <p:spTgt spid="4"/>
+                                          <p:spTgt spid="5"/>
                                         </p:tgtEl>
                                         <p:attrNameLst>
                                           <p:attrName>ppt_y</p:attrName>
@@ -9032,7 +7960,7 @@
                                           </p:stCondLst>
                                         </p:cTn>
                                         <p:tgtEl>
-                                          <p:spTgt spid="4"/>
+                                          <p:spTgt spid="5"/>
                                         </p:tgtEl>
                                         <p:attrNameLst>
                                           <p:attrName>ppt_x</p:attrName>
@@ -9154,7 +8082,7 @@
                                           </p:stCondLst>
                                         </p:cTn>
                                         <p:tgtEl>
-                                          <p:spTgt spid="4"/>
+                                          <p:spTgt spid="5"/>
                                         </p:tgtEl>
                                         <p:attrNameLst>
                                           <p:attrName>ppt_y</p:attrName>
@@ -9294,7 +8222,7 @@
                                           </p:stCondLst>
                                         </p:cTn>
                                         <p:tgtEl>
-                                          <p:spTgt spid="5"/>
+                                          <p:spTgt spid="6"/>
                                         </p:tgtEl>
                                         <p:attrNameLst>
                                           <p:attrName>style.visibility</p:attrName>
@@ -9308,347 +8236,13 @@
                                       <p:cBhvr>
                                         <p:cTn id="15" dur="100"/>
                                         <p:tgtEl>
-                                          <p:spTgt spid="5"/>
+                                          <p:spTgt spid="6"/>
                                         </p:tgtEl>
                                       </p:cBhvr>
                                     </p:animEffect>
                                     <p:anim calcmode="lin" valueType="num">
                                       <p:cBhvr>
                                         <p:cTn id="16" dur="400" fill="hold"/>
-                                        <p:tgtEl>
-                                          <p:spTgt spid="5"/>
-                                        </p:tgtEl>
-                                        <p:attrNameLst>
-                                          <p:attrName>ppt_x</p:attrName>
-                                        </p:attrNameLst>
-                                      </p:cBhvr>
-                                      <p:tavLst>
-                                        <p:tav tm="0">
-                                          <p:val>
-                                            <p:strVal val="#ppt_x"/>
-                                          </p:val>
-                                        </p:tav>
-                                        <p:tav tm="100000">
-                                          <p:val>
-                                            <p:strVal val="#ppt_x"/>
-                                          </p:val>
-                                        </p:tav>
-                                      </p:tavLst>
-                                    </p:anim>
-                                    <p:anim calcmode="lin" valueType="num">
-                                      <p:cBhvr>
-                                        <p:cTn id="17" dur="400" fill="hold"/>
-                                        <p:tgtEl>
-                                          <p:spTgt spid="5"/>
-                                        </p:tgtEl>
-                                        <p:attrNameLst>
-                                          <p:attrName>ppt_y</p:attrName>
-                                        </p:attrNameLst>
-                                      </p:cBhvr>
-                                      <p:tavLst>
-                                        <p:tav tm="0">
-                                          <p:val>
-                                            <p:strVal val="#ppt_y+0.31"/>
-                                          </p:val>
-                                        </p:tav>
-                                        <p:tav tm="100000">
-                                          <p:val>
-                                            <p:strVal val="#ppt_y+0.31"/>
-                                          </p:val>
-                                        </p:tav>
-                                      </p:tavLst>
-                                    </p:anim>
-                                    <p:anim calcmode="lin" valueType="num">
-                                      <p:cBhvr>
-                                        <p:cTn id="18" dur="600" decel="50000" fill="hold">
-                                          <p:stCondLst>
-                                            <p:cond delay="400"/>
-                                          </p:stCondLst>
-                                        </p:cTn>
-                                        <p:tgtEl>
-                                          <p:spTgt spid="5"/>
-                                        </p:tgtEl>
-                                        <p:attrNameLst>
-                                          <p:attrName>ppt_x</p:attrName>
-                                        </p:attrNameLst>
-                                      </p:cBhvr>
-                                      <p:tavLst>
-                                        <p:tav tm="0">
-                                          <p:val>
-                                            <p:strVal val="#ppt_x"/>
-                                          </p:val>
-                                        </p:tav>
-                                        <p:tav tm="5000">
-                                          <p:val>
-                                            <p:strVal val="#ppt_x+0.0242"/>
-                                          </p:val>
-                                        </p:tav>
-                                        <p:tav tm="10000">
-                                          <p:val>
-                                            <p:strVal val="#ppt_x+0.0479"/>
-                                          </p:val>
-                                        </p:tav>
-                                        <p:tav tm="15000">
-                                          <p:val>
-                                            <p:strVal val="#ppt_x+0.0704"/>
-                                          </p:val>
-                                        </p:tav>
-                                        <p:tav tm="20000">
-                                          <p:val>
-                                            <p:strVal val="#ppt_x+0.0911"/>
-                                          </p:val>
-                                        </p:tav>
-                                        <p:tav tm="25000">
-                                          <p:val>
-                                            <p:strVal val="#ppt_x+0.1096"/>
-                                          </p:val>
-                                        </p:tav>
-                                        <p:tav tm="30000">
-                                          <p:val>
-                                            <p:strVal val="#ppt_x+0.1254"/>
-                                          </p:val>
-                                        </p:tav>
-                                        <p:tav tm="35000">
-                                          <p:val>
-                                            <p:strVal val="#ppt_x+0.1381"/>
-                                          </p:val>
-                                        </p:tav>
-                                        <p:tav tm="40000">
-                                          <p:val>
-                                            <p:strVal val="#ppt_x+0.1474"/>
-                                          </p:val>
-                                        </p:tav>
-                                        <p:tav tm="45000">
-                                          <p:val>
-                                            <p:strVal val="#ppt_x+0.1531"/>
-                                          </p:val>
-                                        </p:tav>
-                                        <p:tav tm="50000">
-                                          <p:val>
-                                            <p:strVal val="#ppt_x+0.1550"/>
-                                          </p:val>
-                                        </p:tav>
-                                        <p:tav tm="55000">
-                                          <p:val>
-                                            <p:strVal val="#ppt_x+0.1531"/>
-                                          </p:val>
-                                        </p:tav>
-                                        <p:tav tm="60000">
-                                          <p:val>
-                                            <p:strVal val="#ppt_x+0.1474"/>
-                                          </p:val>
-                                        </p:tav>
-                                        <p:tav tm="65000">
-                                          <p:val>
-                                            <p:strVal val="#ppt_x+0.1381"/>
-                                          </p:val>
-                                        </p:tav>
-                                        <p:tav tm="70000">
-                                          <p:val>
-                                            <p:strVal val="#ppt_x+0.1254"/>
-                                          </p:val>
-                                        </p:tav>
-                                        <p:tav tm="75000">
-                                          <p:val>
-                                            <p:strVal val="#ppt_x+0.1096"/>
-                                          </p:val>
-                                        </p:tav>
-                                        <p:tav tm="80000">
-                                          <p:val>
-                                            <p:strVal val="#ppt_x+0.0911"/>
-                                          </p:val>
-                                        </p:tav>
-                                        <p:tav tm="85000">
-                                          <p:val>
-                                            <p:strVal val="#ppt_x+0.0704"/>
-                                          </p:val>
-                                        </p:tav>
-                                        <p:tav tm="90000">
-                                          <p:val>
-                                            <p:strVal val="#ppt_x+0.0479"/>
-                                          </p:val>
-                                        </p:tav>
-                                        <p:tav tm="95000">
-                                          <p:val>
-                                            <p:strVal val="#ppt_x+0.0242"/>
-                                          </p:val>
-                                        </p:tav>
-                                        <p:tav tm="100000">
-                                          <p:val>
-                                            <p:strVal val="#ppt_x"/>
-                                          </p:val>
-                                        </p:tav>
-                                      </p:tavLst>
-                                    </p:anim>
-                                    <p:anim calcmode="lin" valueType="num">
-                                      <p:cBhvr>
-                                        <p:cTn id="19" dur="600" decel="50000" fill="hold">
-                                          <p:stCondLst>
-                                            <p:cond delay="400"/>
-                                          </p:stCondLst>
-                                        </p:cTn>
-                                        <p:tgtEl>
-                                          <p:spTgt spid="5"/>
-                                        </p:tgtEl>
-                                        <p:attrNameLst>
-                                          <p:attrName>ppt_y</p:attrName>
-                                        </p:attrNameLst>
-                                      </p:cBhvr>
-                                      <p:tavLst>
-                                        <p:tav tm="0">
-                                          <p:val>
-                                            <p:strVal val="#ppt_y+0.31"/>
-                                          </p:val>
-                                        </p:tav>
-                                        <p:tav tm="5000">
-                                          <p:val>
-                                            <p:strVal val="#ppt_y+0.308"/>
-                                          </p:val>
-                                        </p:tav>
-                                        <p:tav tm="10000">
-                                          <p:val>
-                                            <p:strVal val="#ppt_y+0.3024"/>
-                                          </p:val>
-                                        </p:tav>
-                                        <p:tav tm="15000">
-                                          <p:val>
-                                            <p:strVal val="#ppt_y+0.2931"/>
-                                          </p:val>
-                                        </p:tav>
-                                        <p:tav tm="20000">
-                                          <p:val>
-                                            <p:strVal val="#ppt_y+0.2804"/>
-                                          </p:val>
-                                        </p:tav>
-                                        <p:tav tm="25000">
-                                          <p:val>
-                                            <p:strVal val="#ppt_y+0.2646"/>
-                                          </p:val>
-                                        </p:tav>
-                                        <p:tav tm="30000">
-                                          <p:val>
-                                            <p:strVal val="#ppt_y+0.2461"/>
-                                          </p:val>
-                                        </p:tav>
-                                        <p:tav tm="35000">
-                                          <p:val>
-                                            <p:strVal val="#ppt_y+0.2253"/>
-                                          </p:val>
-                                        </p:tav>
-                                        <p:tav tm="40000">
-                                          <p:val>
-                                            <p:strVal val="#ppt_y+0.2029"/>
-                                          </p:val>
-                                        </p:tav>
-                                        <p:tav tm="45000">
-                                          <p:val>
-                                            <p:strVal val="#ppt_y+0.1792"/>
-                                          </p:val>
-                                        </p:tav>
-                                        <p:tav tm="50000">
-                                          <p:val>
-                                            <p:strVal val="#ppt_y+0.155"/>
-                                          </p:val>
-                                        </p:tav>
-                                        <p:tav tm="55000">
-                                          <p:val>
-                                            <p:strVal val="#ppt_y+0.1307"/>
-                                          </p:val>
-                                        </p:tav>
-                                        <p:tav tm="60000">
-                                          <p:val>
-                                            <p:strVal val="#ppt_y+0.1071"/>
-                                          </p:val>
-                                        </p:tav>
-                                        <p:tav tm="65000">
-                                          <p:val>
-                                            <p:strVal val="#ppt_y+0.0846"/>
-                                          </p:val>
-                                        </p:tav>
-                                        <p:tav tm="70000">
-                                          <p:val>
-                                            <p:strVal val="#ppt_y+0.0639"/>
-                                          </p:val>
-                                        </p:tav>
-                                        <p:tav tm="75000">
-                                          <p:val>
-                                            <p:strVal val="#ppt_y+0.0454"/>
-                                          </p:val>
-                                        </p:tav>
-                                        <p:tav tm="80000">
-                                          <p:val>
-                                            <p:strVal val="#ppt_y+0.0296"/>
-                                          </p:val>
-                                        </p:tav>
-                                        <p:tav tm="85000">
-                                          <p:val>
-                                            <p:strVal val="#ppt_y+0.0169"/>
-                                          </p:val>
-                                        </p:tav>
-                                        <p:tav tm="90000">
-                                          <p:val>
-                                            <p:strVal val="#ppt_y+0.0076"/>
-                                          </p:val>
-                                        </p:tav>
-                                        <p:tav tm="95000">
-                                          <p:val>
-                                            <p:strVal val="#ppt_y+0.0019"/>
-                                          </p:val>
-                                        </p:tav>
-                                        <p:tav tm="100000">
-                                          <p:val>
-                                            <p:strVal val="#ppt_y"/>
-                                          </p:val>
-                                        </p:tav>
-                                      </p:tavLst>
-                                    </p:anim>
-                                  </p:childTnLst>
-                                </p:cTn>
-                              </p:par>
-                            </p:childTnLst>
-                          </p:cTn>
-                        </p:par>
-                        <p:par>
-                          <p:cTn id="20" fill="hold">
-                            <p:stCondLst>
-                              <p:cond delay="2000"/>
-                            </p:stCondLst>
-                            <p:childTnLst>
-                              <p:par>
-                                <p:cTn id="21" presetID="43" presetClass="entr" presetSubtype="0" fill="hold" grpId="0" nodeType="afterEffect">
-                                  <p:stCondLst>
-                                    <p:cond delay="0"/>
-                                  </p:stCondLst>
-                                  <p:childTnLst>
-                                    <p:set>
-                                      <p:cBhvr>
-                                        <p:cTn id="22" dur="1" fill="hold">
-                                          <p:stCondLst>
-                                            <p:cond delay="0"/>
-                                          </p:stCondLst>
-                                        </p:cTn>
-                                        <p:tgtEl>
-                                          <p:spTgt spid="6"/>
-                                        </p:tgtEl>
-                                        <p:attrNameLst>
-                                          <p:attrName>style.visibility</p:attrName>
-                                        </p:attrNameLst>
-                                      </p:cBhvr>
-                                      <p:to>
-                                        <p:strVal val="visible"/>
-                                      </p:to>
-                                    </p:set>
-                                    <p:animEffect transition="in" filter="fade">
-                                      <p:cBhvr>
-                                        <p:cTn id="23" dur="100"/>
-                                        <p:tgtEl>
-                                          <p:spTgt spid="6"/>
-                                        </p:tgtEl>
-                                      </p:cBhvr>
-                                    </p:animEffect>
-                                    <p:anim calcmode="lin" valueType="num">
-                                      <p:cBhvr>
-                                        <p:cTn id="24" dur="400" fill="hold"/>
                                         <p:tgtEl>
                                           <p:spTgt spid="6"/>
                                         </p:tgtEl>
@@ -9671,7 +8265,7 @@
                                     </p:anim>
                                     <p:anim calcmode="lin" valueType="num">
                                       <p:cBhvr>
-                                        <p:cTn id="25" dur="400" fill="hold"/>
+                                        <p:cTn id="17" dur="400" fill="hold"/>
                                         <p:tgtEl>
                                           <p:spTgt spid="6"/>
                                         </p:tgtEl>
@@ -9694,7 +8288,7 @@
                                     </p:anim>
                                     <p:anim calcmode="lin" valueType="num">
                                       <p:cBhvr>
-                                        <p:cTn id="26" dur="600" decel="50000" fill="hold">
+                                        <p:cTn id="18" dur="600" decel="50000" fill="hold">
                                           <p:stCondLst>
                                             <p:cond delay="400"/>
                                           </p:stCondLst>
@@ -9816,7 +8410,7 @@
                                     </p:anim>
                                     <p:anim calcmode="lin" valueType="num">
                                       <p:cBhvr>
-                                        <p:cTn id="27" dur="600" decel="50000" fill="hold">
+                                        <p:cTn id="19" dur="600" decel="50000" fill="hold">
                                           <p:stCondLst>
                                             <p:cond delay="400"/>
                                           </p:stCondLst>
@@ -9967,7 +8561,6 @@
       </p:par>
     </p:tnLst>
     <p:bldLst>
-      <p:bldP spid="4" grpId="0" animBg="1"/>
       <p:bldP spid="5" grpId="0"/>
       <p:bldP spid="6" grpId="0"/>
     </p:bldLst>
@@ -10017,10 +8610,10 @@
           <a:p>
             <a:pPr algn="ctr"/>
             <a:r>
-              <a:rPr lang="bg-BG" sz="6000" dirty="0"/>
+              <a:rPr lang="bg-BG" sz="6000" i="1" dirty="0"/>
               <a:t>Нашият отбор</a:t>
             </a:r>
-            <a:endParaRPr lang="en-US" sz="6000" dirty="0"/>
+            <a:endParaRPr lang="en-US" sz="6000" i="1" dirty="0"/>
           </a:p>
         </p:txBody>
       </p:sp>
@@ -10058,21 +8651,30 @@
               <a:t>Scrum trainer – </a:t>
             </a:r>
             <a:r>
-              <a:rPr lang="bg-BG" sz="3400" i="1" dirty="0"/>
+              <a:rPr lang="bg-BG" sz="3400" i="1" dirty="0">
+                <a:hlinkClick r:id="rId2"/>
+              </a:rPr>
               <a:t>Емма Георгиева </a:t>
             </a:r>
             <a:r>
-              <a:rPr lang="bg-BG" sz="3400" i="1" dirty="0" err="1"/>
+              <a:rPr lang="bg-BG" sz="3400" i="1" dirty="0" err="1">
+                <a:hlinkClick r:id="rId2"/>
+              </a:rPr>
               <a:t>Георгиева</a:t>
             </a:r>
             <a:r>
-              <a:rPr lang="bg-BG" sz="3400" i="1" dirty="0"/>
+              <a:rPr lang="bg-BG" sz="3400" i="1" dirty="0">
+                <a:hlinkClick r:id="rId2"/>
+              </a:rPr>
               <a:t> </a:t>
             </a:r>
             <a:r>
-              <a:rPr lang="bg-BG" sz="3400" dirty="0"/>
+              <a:rPr lang="bg-BG" sz="3400" dirty="0">
+                <a:hlinkClick r:id="rId2"/>
+              </a:rPr>
               <a:t>от 9 „Б“ </a:t>
             </a:r>
+            <a:endParaRPr lang="bg-BG" sz="3400" dirty="0"/>
           </a:p>
           <a:p>
             <a:pPr algn="ctr"/>
@@ -10085,13 +8687,18 @@
               <a:t>QA Engineer – </a:t>
             </a:r>
             <a:r>
-              <a:rPr lang="bg-BG" sz="3400" i="1" dirty="0"/>
+              <a:rPr lang="bg-BG" sz="3400" i="1" dirty="0">
+                <a:hlinkClick r:id="rId3"/>
+              </a:rPr>
               <a:t>Свилен Димитров Тодоров </a:t>
             </a:r>
             <a:r>
-              <a:rPr lang="bg-BG" sz="3400" dirty="0"/>
+              <a:rPr lang="bg-BG" sz="3400" dirty="0">
+                <a:hlinkClick r:id="rId3"/>
+              </a:rPr>
               <a:t>от 9 „А“</a:t>
             </a:r>
+            <a:endParaRPr lang="bg-BG" sz="3400" dirty="0"/>
           </a:p>
           <a:p>
             <a:pPr algn="ctr"/>
@@ -10104,13 +8711,18 @@
               <a:t>Backend Developer – </a:t>
             </a:r>
             <a:r>
-              <a:rPr lang="bg-BG" sz="3400" i="1" dirty="0"/>
+              <a:rPr lang="bg-BG" sz="3400" i="1" dirty="0">
+                <a:hlinkClick r:id="rId4"/>
+              </a:rPr>
               <a:t>Кристиян Николов Костадинов </a:t>
             </a:r>
             <a:r>
-              <a:rPr lang="bg-BG" sz="3400" dirty="0"/>
+              <a:rPr lang="bg-BG" sz="3400" dirty="0">
+                <a:hlinkClick r:id="rId4"/>
+              </a:rPr>
               <a:t>от 9 „Г“</a:t>
             </a:r>
+            <a:endParaRPr lang="bg-BG" sz="3400" dirty="0"/>
           </a:p>
           <a:p>
             <a:pPr algn="ctr"/>
@@ -10123,21 +8735,30 @@
               <a:t>Backend Developer – </a:t>
             </a:r>
             <a:r>
-              <a:rPr lang="bg-BG" sz="3400" i="1" dirty="0"/>
+              <a:rPr lang="bg-BG" sz="3400" i="1" dirty="0">
+                <a:hlinkClick r:id="rId5"/>
+              </a:rPr>
               <a:t>Александър Тодоров </a:t>
             </a:r>
             <a:r>
-              <a:rPr lang="bg-BG" sz="3400" i="1" dirty="0" err="1"/>
+              <a:rPr lang="bg-BG" sz="3400" i="1" dirty="0" err="1">
+                <a:hlinkClick r:id="rId5"/>
+              </a:rPr>
               <a:t>Сивков</a:t>
             </a:r>
             <a:r>
-              <a:rPr lang="bg-BG" sz="3400" i="1" dirty="0"/>
+              <a:rPr lang="bg-BG" sz="3400" i="1" dirty="0">
+                <a:hlinkClick r:id="rId5"/>
+              </a:rPr>
               <a:t> </a:t>
             </a:r>
             <a:r>
-              <a:rPr lang="bg-BG" sz="3400" dirty="0"/>
+              <a:rPr lang="bg-BG" sz="3400" dirty="0">
+                <a:hlinkClick r:id="rId5"/>
+              </a:rPr>
               <a:t>от 9 „Б“</a:t>
             </a:r>
+            <a:endParaRPr lang="bg-BG" sz="3400" dirty="0"/>
           </a:p>
           <a:p>
             <a:pPr algn="ctr"/>
@@ -10159,13 +8780,13 @@
   <p:clrMapOvr>
     <a:masterClrMapping/>
   </p:clrMapOvr>
-  <mc:AlternateContent xmlns:mc="http://schemas.openxmlformats.org/markup-compatibility/2006">
-    <mc:Choice xmlns:p14="http://schemas.microsoft.com/office/powerpoint/2010/main" Requires="p14">
+  <mc:AlternateContent xmlns:mc="http://schemas.openxmlformats.org/markup-compatibility/2006" xmlns:p14="http://schemas.microsoft.com/office/powerpoint/2010/main">
+    <mc:Choice Requires="p14">
       <p:transition spd="slow" p14:dur="800">
         <p:circle/>
       </p:transition>
     </mc:Choice>
-    <mc:Fallback>
+    <mc:Fallback xmlns="">
       <p:transition spd="slow">
         <p:circle/>
       </p:transition>
@@ -10537,8 +9158,8 @@
         </p:nvSpPr>
         <p:spPr>
           <a:xfrm>
-            <a:off x="2111828" y="4322989"/>
-            <a:ext cx="8882743" cy="830997"/>
+            <a:off x="2344220" y="4066371"/>
+            <a:ext cx="8114190" cy="2123658"/>
           </a:xfrm>
           <a:prstGeom prst="rect">
             <a:avLst/>
@@ -10551,11 +9172,20 @@
           </a:bodyPr>
           <a:lstStyle/>
           <a:p>
-            <a:r>
-              <a:rPr lang="bg-BG" sz="4800" dirty="0"/>
-              <a:t>Създаване на идеята за проекта</a:t>
-            </a:r>
-            <a:endParaRPr lang="en-US" sz="4800" dirty="0"/>
+            <a:pPr algn="ctr"/>
+            <a:r>
+              <a:rPr lang="bg-BG" sz="6600" dirty="0"/>
+              <a:t>Създаване на идеята </a:t>
+            </a:r>
+            <a:endParaRPr lang="en-US" sz="6600" dirty="0"/>
+          </a:p>
+          <a:p>
+            <a:pPr algn="ctr"/>
+            <a:r>
+              <a:rPr lang="bg-BG" sz="6600" dirty="0"/>
+              <a:t>за проекта</a:t>
+            </a:r>
+            <a:endParaRPr lang="en-US" sz="6600" dirty="0"/>
           </a:p>
         </p:txBody>
       </p:sp>
@@ -11742,15 +10372,17 @@
         </p:nvSpPr>
         <p:spPr/>
         <p:txBody>
-          <a:bodyPr/>
+          <a:bodyPr>
+            <a:normAutofit/>
+          </a:bodyPr>
           <a:lstStyle/>
           <a:p>
             <a:pPr algn="ctr"/>
             <a:r>
-              <a:rPr lang="bg-BG" dirty="0"/>
+              <a:rPr lang="bg-BG" sz="6000" i="1" dirty="0"/>
               <a:t>Идеята на проекта:</a:t>
             </a:r>
-            <a:endParaRPr lang="en-US" dirty="0"/>
+            <a:endParaRPr lang="en-US" sz="6000" i="1" dirty="0"/>
           </a:p>
         </p:txBody>
       </p:sp>
@@ -11768,8 +10400,8 @@
         </p:nvSpPr>
         <p:spPr>
           <a:xfrm>
-            <a:off x="2398643" y="1476117"/>
-            <a:ext cx="7394713" cy="5016758"/>
+            <a:off x="1838514" y="1928878"/>
+            <a:ext cx="8514972" cy="3785652"/>
           </a:xfrm>
           <a:prstGeom prst="rect">
             <a:avLst/>
@@ -12187,8 +10819,8 @@
         </p:nvSpPr>
         <p:spPr>
           <a:xfrm>
-            <a:off x="3309257" y="4371975"/>
-            <a:ext cx="5834743" cy="830997"/>
+            <a:off x="2171012" y="3989025"/>
+            <a:ext cx="7849974" cy="1107996"/>
           </a:xfrm>
           <a:prstGeom prst="rect">
             <a:avLst/>
@@ -12202,10 +10834,10 @@
           <a:lstStyle/>
           <a:p>
             <a:r>
-              <a:rPr lang="bg-BG" sz="4800" dirty="0"/>
+              <a:rPr lang="bg-BG" sz="6600" dirty="0"/>
               <a:t>Развитие на проекта</a:t>
             </a:r>
-            <a:endParaRPr lang="en-US" sz="4800" dirty="0"/>
+            <a:endParaRPr lang="en-US" sz="6600" dirty="0"/>
           </a:p>
         </p:txBody>
       </p:sp>
@@ -13399,41 +12031,43 @@
           <a:p>
             <a:pPr algn="ctr"/>
             <a:r>
-              <a:rPr lang="bg-BG" dirty="0"/>
+              <a:rPr lang="bg-BG" sz="6000" i="1" dirty="0"/>
               <a:t>Развитие на проекта:</a:t>
             </a:r>
-            <a:endParaRPr lang="en-US" dirty="0"/>
-          </a:p>
-        </p:txBody>
-      </p:sp>
-      <p:graphicFrame>
-        <p:nvGraphicFramePr>
-          <p:cNvPr id="5" name="Chart 4">
+            <a:endParaRPr lang="en-US" sz="6000" i="1" dirty="0"/>
+          </a:p>
+        </p:txBody>
+      </p:sp>
+      <p:pic>
+        <p:nvPicPr>
+          <p:cNvPr id="3" name="Picture 2">
             <a:extLst>
               <a:ext uri="{FF2B5EF4-FFF2-40B4-BE49-F238E27FC236}">
-                <a16:creationId xmlns:a16="http://schemas.microsoft.com/office/drawing/2014/main" id="{DB80FAE2-98AC-F205-26EF-C34FBD915544}"/>
+                <a16:creationId xmlns:a16="http://schemas.microsoft.com/office/drawing/2014/main" id="{8555B771-A38F-9ABC-08B9-90DE34D9BFCF}"/>
               </a:ext>
             </a:extLst>
           </p:cNvPr>
-          <p:cNvGraphicFramePr/>
-          <p:nvPr>
-            <p:extLst>
-              <p:ext uri="{D42A27DB-BD31-4B8C-83A1-F6EECF244321}">
-                <p14:modId xmlns:p14="http://schemas.microsoft.com/office/powerpoint/2010/main" val="3180008122"/>
-              </p:ext>
-            </p:extLst>
-          </p:nvPr>
-        </p:nvGraphicFramePr>
-        <p:xfrm>
-          <a:off x="2211567" y="1574358"/>
-          <a:ext cx="7768866" cy="5001297"/>
-        </p:xfrm>
-        <a:graphic>
-          <a:graphicData uri="http://schemas.openxmlformats.org/drawingml/2006/chart">
-            <c:chart xmlns:c="http://schemas.openxmlformats.org/drawingml/2006/chart" xmlns:r="http://schemas.openxmlformats.org/officeDocument/2006/relationships" r:id="rId2"/>
-          </a:graphicData>
-        </a:graphic>
-      </p:graphicFrame>
+          <p:cNvPicPr>
+            <a:picLocks noChangeAspect="1"/>
+          </p:cNvPicPr>
+          <p:nvPr/>
+        </p:nvPicPr>
+        <p:blipFill>
+          <a:blip r:embed="rId2"/>
+          <a:stretch>
+            <a:fillRect/>
+          </a:stretch>
+        </p:blipFill>
+        <p:spPr>
+          <a:xfrm>
+            <a:off x="987109" y="1550379"/>
+            <a:ext cx="10217782" cy="4846740"/>
+          </a:xfrm>
+          <a:prstGeom prst="rect">
+            <a:avLst/>
+          </a:prstGeom>
+        </p:spPr>
+      </p:pic>
     </p:spTree>
     <p:extLst>
       <p:ext uri="{BB962C8B-B14F-4D97-AF65-F5344CB8AC3E}">
@@ -13444,97 +12078,6 @@
   <p:clrMapOvr>
     <a:masterClrMapping/>
   </p:clrMapOvr>
-  <p:timing>
-    <p:tnLst>
-      <p:par>
-        <p:cTn id="1" dur="indefinite" restart="never" nodeType="tmRoot">
-          <p:childTnLst>
-            <p:seq concurrent="1" nextAc="seek">
-              <p:cTn id="2" dur="indefinite" nodeType="mainSeq">
-                <p:childTnLst>
-                  <p:par>
-                    <p:cTn id="3" fill="hold">
-                      <p:stCondLst>
-                        <p:cond delay="indefinite"/>
-                        <p:cond evt="onBegin" delay="0">
-                          <p:tn val="2"/>
-                        </p:cond>
-                      </p:stCondLst>
-                      <p:childTnLst>
-                        <p:par>
-                          <p:cTn id="4" fill="hold">
-                            <p:stCondLst>
-                              <p:cond delay="0"/>
-                            </p:stCondLst>
-                            <p:childTnLst>
-                              <p:par>
-                                <p:cTn id="5" presetID="21" presetClass="entr" presetSubtype="1" fill="hold" grpId="0" nodeType="afterEffect">
-                                  <p:stCondLst>
-                                    <p:cond delay="0"/>
-                                  </p:stCondLst>
-                                  <p:childTnLst>
-                                    <p:set>
-                                      <p:cBhvr>
-                                        <p:cTn id="6" dur="1" fill="hold">
-                                          <p:stCondLst>
-                                            <p:cond delay="0"/>
-                                          </p:stCondLst>
-                                        </p:cTn>
-                                        <p:tgtEl>
-                                          <p:spTgt spid="5"/>
-                                        </p:tgtEl>
-                                        <p:attrNameLst>
-                                          <p:attrName>style.visibility</p:attrName>
-                                        </p:attrNameLst>
-                                      </p:cBhvr>
-                                      <p:to>
-                                        <p:strVal val="visible"/>
-                                      </p:to>
-                                    </p:set>
-                                    <p:animEffect transition="in" filter="wheel(1)">
-                                      <p:cBhvr>
-                                        <p:cTn id="7" dur="1500"/>
-                                        <p:tgtEl>
-                                          <p:spTgt spid="5"/>
-                                        </p:tgtEl>
-                                      </p:cBhvr>
-                                    </p:animEffect>
-                                  </p:childTnLst>
-                                </p:cTn>
-                              </p:par>
-                            </p:childTnLst>
-                          </p:cTn>
-                        </p:par>
-                      </p:childTnLst>
-                    </p:cTn>
-                  </p:par>
-                </p:childTnLst>
-              </p:cTn>
-              <p:prevCondLst>
-                <p:cond evt="onPrev" delay="0">
-                  <p:tgtEl>
-                    <p:sldTgt/>
-                  </p:tgtEl>
-                </p:cond>
-              </p:prevCondLst>
-              <p:nextCondLst>
-                <p:cond evt="onNext" delay="0">
-                  <p:tgtEl>
-                    <p:sldTgt/>
-                  </p:tgtEl>
-                </p:cond>
-              </p:nextCondLst>
-            </p:seq>
-          </p:childTnLst>
-        </p:cTn>
-      </p:par>
-    </p:tnLst>
-    <p:bldLst>
-      <p:bldGraphic spid="5" grpId="0">
-        <p:bldAsOne/>
-      </p:bldGraphic>
-    </p:bldLst>
-  </p:timing>
 </p:sld>
 </file>
 
@@ -13557,60 +12100,10 @@
       </p:grpSpPr>
       <p:sp>
         <p:nvSpPr>
-          <p:cNvPr id="4" name="Circle: Hollow 3">
+          <p:cNvPr id="2" name="TextBox 1">
             <a:extLst>
               <a:ext uri="{FF2B5EF4-FFF2-40B4-BE49-F238E27FC236}">
-                <a16:creationId xmlns:a16="http://schemas.microsoft.com/office/drawing/2014/main" id="{DE9FAA47-A66F-DC26-CD20-90034AA80B79}"/>
-              </a:ext>
-            </a:extLst>
-          </p:cNvPr>
-          <p:cNvSpPr/>
-          <p:nvPr/>
-        </p:nvSpPr>
-        <p:spPr>
-          <a:xfrm>
-            <a:off x="5051740" y="2199330"/>
-            <a:ext cx="2088519" cy="2088519"/>
-          </a:xfrm>
-          <a:prstGeom prst="donut">
-            <a:avLst/>
-          </a:prstGeom>
-        </p:spPr>
-        <p:style>
-          <a:lnRef idx="2">
-            <a:schemeClr val="accent1">
-              <a:shade val="50000"/>
-            </a:schemeClr>
-          </a:lnRef>
-          <a:fillRef idx="1">
-            <a:schemeClr val="accent1"/>
-          </a:fillRef>
-          <a:effectRef idx="0">
-            <a:schemeClr val="accent1"/>
-          </a:effectRef>
-          <a:fontRef idx="minor">
-            <a:schemeClr val="lt1"/>
-          </a:fontRef>
-        </p:style>
-        <p:txBody>
-          <a:bodyPr rtlCol="0" anchor="ctr"/>
-          <a:lstStyle/>
-          <a:p>
-            <a:pPr algn="ctr"/>
-            <a:endParaRPr lang="en-US">
-              <a:solidFill>
-                <a:schemeClr val="tx1"/>
-              </a:solidFill>
-            </a:endParaRPr>
-          </a:p>
-        </p:txBody>
-      </p:sp>
-      <p:sp>
-        <p:nvSpPr>
-          <p:cNvPr id="5" name="TextBox 4">
-            <a:extLst>
-              <a:ext uri="{FF2B5EF4-FFF2-40B4-BE49-F238E27FC236}">
-                <a16:creationId xmlns:a16="http://schemas.microsoft.com/office/drawing/2014/main" id="{2BA9471E-3728-A60A-F1E1-D653A4EBE0FB}"/>
+                <a16:creationId xmlns:a16="http://schemas.microsoft.com/office/drawing/2014/main" id="{6E52F982-4477-80F1-D729-69BC25A5494E}"/>
               </a:ext>
             </a:extLst>
           </p:cNvPr>
@@ -13619,8 +12112,8 @@
         </p:nvSpPr>
         <p:spPr>
           <a:xfrm>
-            <a:off x="5825724" y="2690888"/>
-            <a:ext cx="604157" cy="830997"/>
+            <a:off x="1842137" y="316078"/>
+            <a:ext cx="8507725" cy="1015663"/>
           </a:xfrm>
           <a:prstGeom prst="rect">
             <a:avLst/>
@@ -13634,19 +12127,228 @@
           <a:lstStyle/>
           <a:p>
             <a:r>
-              <a:rPr lang="bg-BG" sz="4800" dirty="0"/>
-              <a:t>4</a:t>
-            </a:r>
-            <a:endParaRPr lang="en-US" sz="4800" dirty="0"/>
-          </a:p>
-        </p:txBody>
-      </p:sp>
-      <p:sp>
-        <p:nvSpPr>
-          <p:cNvPr id="6" name="TextBox 5">
+              <a:rPr lang="bg-BG" sz="6000" i="1" dirty="0"/>
+              <a:t>Използвани технологии:</a:t>
+            </a:r>
+          </a:p>
+        </p:txBody>
+      </p:sp>
+      <p:pic>
+        <p:nvPicPr>
+          <p:cNvPr id="4" name="Picture 3">
             <a:extLst>
               <a:ext uri="{FF2B5EF4-FFF2-40B4-BE49-F238E27FC236}">
-                <a16:creationId xmlns:a16="http://schemas.microsoft.com/office/drawing/2014/main" id="{7E4937EC-D75C-E30F-93BC-98D6340BB4B4}"/>
+                <a16:creationId xmlns:a16="http://schemas.microsoft.com/office/drawing/2014/main" id="{C5AA101D-DB87-DE6D-5C20-A70D7BA019F7}"/>
+              </a:ext>
+            </a:extLst>
+          </p:cNvPr>
+          <p:cNvPicPr>
+            <a:picLocks noChangeAspect="1"/>
+          </p:cNvPicPr>
+          <p:nvPr/>
+        </p:nvPicPr>
+        <p:blipFill>
+          <a:blip r:embed="rId2"/>
+          <a:stretch>
+            <a:fillRect/>
+          </a:stretch>
+        </p:blipFill>
+        <p:spPr>
+          <a:xfrm>
+            <a:off x="3887050" y="1388829"/>
+            <a:ext cx="1762361" cy="1982656"/>
+          </a:xfrm>
+          <a:prstGeom prst="rect">
+            <a:avLst/>
+          </a:prstGeom>
+        </p:spPr>
+      </p:pic>
+      <p:pic>
+        <p:nvPicPr>
+          <p:cNvPr id="5" name="Picture 4">
+            <a:extLst>
+              <a:ext uri="{FF2B5EF4-FFF2-40B4-BE49-F238E27FC236}">
+                <a16:creationId xmlns:a16="http://schemas.microsoft.com/office/drawing/2014/main" id="{6C4C3851-6EA6-CEB7-3123-26983074FEE7}"/>
+              </a:ext>
+            </a:extLst>
+          </p:cNvPr>
+          <p:cNvPicPr>
+            <a:picLocks noChangeAspect="1"/>
+          </p:cNvPicPr>
+          <p:nvPr/>
+        </p:nvPicPr>
+        <p:blipFill>
+          <a:blip r:embed="rId3"/>
+          <a:stretch>
+            <a:fillRect/>
+          </a:stretch>
+        </p:blipFill>
+        <p:spPr>
+          <a:xfrm>
+            <a:off x="6645616" y="1629490"/>
+            <a:ext cx="1609960" cy="1609960"/>
+          </a:xfrm>
+          <a:prstGeom prst="rect">
+            <a:avLst/>
+          </a:prstGeom>
+        </p:spPr>
+      </p:pic>
+      <p:pic>
+        <p:nvPicPr>
+          <p:cNvPr id="6" name="Picture 5">
+            <a:extLst>
+              <a:ext uri="{FF2B5EF4-FFF2-40B4-BE49-F238E27FC236}">
+                <a16:creationId xmlns:a16="http://schemas.microsoft.com/office/drawing/2014/main" id="{2A9D44C9-5643-580C-9633-4DB26DFE0E4F}"/>
+              </a:ext>
+            </a:extLst>
+          </p:cNvPr>
+          <p:cNvPicPr>
+            <a:picLocks noChangeAspect="1"/>
+          </p:cNvPicPr>
+          <p:nvPr/>
+        </p:nvPicPr>
+        <p:blipFill>
+          <a:blip r:embed="rId4"/>
+          <a:stretch>
+            <a:fillRect/>
+          </a:stretch>
+        </p:blipFill>
+        <p:spPr>
+          <a:xfrm>
+            <a:off x="9251781" y="1561727"/>
+            <a:ext cx="1609960" cy="1609960"/>
+          </a:xfrm>
+          <a:prstGeom prst="rect">
+            <a:avLst/>
+          </a:prstGeom>
+        </p:spPr>
+      </p:pic>
+      <p:pic>
+        <p:nvPicPr>
+          <p:cNvPr id="7" name="Picture 6">
+            <a:extLst>
+              <a:ext uri="{FF2B5EF4-FFF2-40B4-BE49-F238E27FC236}">
+                <a16:creationId xmlns:a16="http://schemas.microsoft.com/office/drawing/2014/main" id="{D4944E19-6553-4A72-8A2E-A0C35C580960}"/>
+              </a:ext>
+            </a:extLst>
+          </p:cNvPr>
+          <p:cNvPicPr>
+            <a:picLocks noChangeAspect="1"/>
+          </p:cNvPicPr>
+          <p:nvPr/>
+        </p:nvPicPr>
+        <p:blipFill>
+          <a:blip r:embed="rId5"/>
+          <a:stretch>
+            <a:fillRect/>
+          </a:stretch>
+        </p:blipFill>
+        <p:spPr>
+          <a:xfrm>
+            <a:off x="1079548" y="4095975"/>
+            <a:ext cx="1786829" cy="1654182"/>
+          </a:xfrm>
+          <a:prstGeom prst="rect">
+            <a:avLst/>
+          </a:prstGeom>
+        </p:spPr>
+      </p:pic>
+      <p:pic>
+        <p:nvPicPr>
+          <p:cNvPr id="9" name="Picture 8">
+            <a:extLst>
+              <a:ext uri="{FF2B5EF4-FFF2-40B4-BE49-F238E27FC236}">
+                <a16:creationId xmlns:a16="http://schemas.microsoft.com/office/drawing/2014/main" id="{BB94D8B2-7F54-1E55-0A63-E09460E25267}"/>
+              </a:ext>
+            </a:extLst>
+          </p:cNvPr>
+          <p:cNvPicPr>
+            <a:picLocks noChangeAspect="1"/>
+          </p:cNvPicPr>
+          <p:nvPr/>
+        </p:nvPicPr>
+        <p:blipFill>
+          <a:blip r:embed="rId6"/>
+          <a:stretch>
+            <a:fillRect/>
+          </a:stretch>
+        </p:blipFill>
+        <p:spPr>
+          <a:xfrm>
+            <a:off x="3862582" y="4000401"/>
+            <a:ext cx="1786829" cy="1749755"/>
+          </a:xfrm>
+          <a:prstGeom prst="rect">
+            <a:avLst/>
+          </a:prstGeom>
+        </p:spPr>
+      </p:pic>
+      <p:pic>
+        <p:nvPicPr>
+          <p:cNvPr id="10" name="Picture 9">
+            <a:extLst>
+              <a:ext uri="{FF2B5EF4-FFF2-40B4-BE49-F238E27FC236}">
+                <a16:creationId xmlns:a16="http://schemas.microsoft.com/office/drawing/2014/main" id="{39191D94-D5FD-5526-34BC-E78785330E04}"/>
+              </a:ext>
+            </a:extLst>
+          </p:cNvPr>
+          <p:cNvPicPr>
+            <a:picLocks noChangeAspect="1"/>
+          </p:cNvPicPr>
+          <p:nvPr/>
+        </p:nvPicPr>
+        <p:blipFill>
+          <a:blip r:embed="rId7"/>
+          <a:stretch>
+            <a:fillRect/>
+          </a:stretch>
+        </p:blipFill>
+        <p:spPr>
+          <a:xfrm>
+            <a:off x="6645616" y="4170607"/>
+            <a:ext cx="1609960" cy="1546386"/>
+          </a:xfrm>
+          <a:prstGeom prst="rect">
+            <a:avLst/>
+          </a:prstGeom>
+        </p:spPr>
+      </p:pic>
+      <p:pic>
+        <p:nvPicPr>
+          <p:cNvPr id="11" name="Picture 10">
+            <a:extLst>
+              <a:ext uri="{FF2B5EF4-FFF2-40B4-BE49-F238E27FC236}">
+                <a16:creationId xmlns:a16="http://schemas.microsoft.com/office/drawing/2014/main" id="{CC22E142-926A-793F-4735-961AE1F9D604}"/>
+              </a:ext>
+            </a:extLst>
+          </p:cNvPr>
+          <p:cNvPicPr>
+            <a:picLocks noChangeAspect="1"/>
+          </p:cNvPicPr>
+          <p:nvPr/>
+        </p:nvPicPr>
+        <p:blipFill>
+          <a:blip r:embed="rId8"/>
+          <a:stretch>
+            <a:fillRect/>
+          </a:stretch>
+        </p:blipFill>
+        <p:spPr>
+          <a:xfrm>
+            <a:off x="9251781" y="4055093"/>
+            <a:ext cx="1731064" cy="1661899"/>
+          </a:xfrm>
+          <a:prstGeom prst="rect">
+            <a:avLst/>
+          </a:prstGeom>
+        </p:spPr>
+      </p:pic>
+      <p:sp>
+        <p:nvSpPr>
+          <p:cNvPr id="13" name="TextBox 12">
+            <a:extLst>
+              <a:ext uri="{FF2B5EF4-FFF2-40B4-BE49-F238E27FC236}">
+                <a16:creationId xmlns:a16="http://schemas.microsoft.com/office/drawing/2014/main" id="{0D9B1100-D6A6-BCE6-53AC-80FCF502B603}"/>
               </a:ext>
             </a:extLst>
           </p:cNvPr>
@@ -13655,8 +12357,8 @@
         </p:nvSpPr>
         <p:spPr>
           <a:xfrm>
-            <a:off x="3417507" y="4779407"/>
-            <a:ext cx="5420589" cy="584775"/>
+            <a:off x="3887050" y="3363666"/>
+            <a:ext cx="1762361" cy="523220"/>
           </a:xfrm>
           <a:prstGeom prst="rect">
             <a:avLst/>
@@ -13671,1072 +12373,317 @@
           <a:p>
             <a:pPr algn="ctr"/>
             <a:r>
-              <a:rPr lang="bg-BG" sz="3200" dirty="0"/>
-              <a:t>Завършване на проекта</a:t>
-            </a:r>
-            <a:endParaRPr lang="en-US" sz="3200" dirty="0"/>
+              <a:rPr lang="en-US" sz="2800" dirty="0"/>
+              <a:t>C++</a:t>
+            </a:r>
+            <a:endParaRPr lang="bg-BG" sz="2800" dirty="0"/>
+          </a:p>
+        </p:txBody>
+      </p:sp>
+      <p:sp>
+        <p:nvSpPr>
+          <p:cNvPr id="14" name="TextBox 13">
+            <a:extLst>
+              <a:ext uri="{FF2B5EF4-FFF2-40B4-BE49-F238E27FC236}">
+                <a16:creationId xmlns:a16="http://schemas.microsoft.com/office/drawing/2014/main" id="{BA6B4B06-38F2-B275-DD79-B6E888BF98A0}"/>
+              </a:ext>
+            </a:extLst>
+          </p:cNvPr>
+          <p:cNvSpPr txBox="1"/>
+          <p:nvPr/>
+        </p:nvSpPr>
+        <p:spPr>
+          <a:xfrm>
+            <a:off x="6645616" y="3171687"/>
+            <a:ext cx="1488151" cy="954107"/>
+          </a:xfrm>
+          <a:prstGeom prst="rect">
+            <a:avLst/>
+          </a:prstGeom>
+          <a:noFill/>
+        </p:spPr>
+        <p:txBody>
+          <a:bodyPr wrap="square" rtlCol="0">
+            <a:spAutoFit/>
+          </a:bodyPr>
+          <a:lstStyle/>
+          <a:p>
+            <a:pPr algn="ctr"/>
+            <a:r>
+              <a:rPr lang="en-US" sz="2800" dirty="0"/>
+              <a:t>Visual Studio</a:t>
+            </a:r>
+            <a:endParaRPr lang="bg-BG" sz="2800" dirty="0"/>
+          </a:p>
+        </p:txBody>
+      </p:sp>
+      <p:sp>
+        <p:nvSpPr>
+          <p:cNvPr id="15" name="TextBox 14">
+            <a:extLst>
+              <a:ext uri="{FF2B5EF4-FFF2-40B4-BE49-F238E27FC236}">
+                <a16:creationId xmlns:a16="http://schemas.microsoft.com/office/drawing/2014/main" id="{53898462-839C-9F10-864D-B2E290F09153}"/>
+              </a:ext>
+            </a:extLst>
+          </p:cNvPr>
+          <p:cNvSpPr txBox="1"/>
+          <p:nvPr/>
+        </p:nvSpPr>
+        <p:spPr>
+          <a:xfrm>
+            <a:off x="9251781" y="3171687"/>
+            <a:ext cx="2039071" cy="954107"/>
+          </a:xfrm>
+          <a:prstGeom prst="rect">
+            <a:avLst/>
+          </a:prstGeom>
+          <a:noFill/>
+        </p:spPr>
+        <p:txBody>
+          <a:bodyPr wrap="square" rtlCol="0">
+            <a:spAutoFit/>
+          </a:bodyPr>
+          <a:lstStyle/>
+          <a:p>
+            <a:pPr algn="ctr"/>
+            <a:r>
+              <a:rPr lang="en-US" sz="2800" dirty="0"/>
+              <a:t>Visual Studio Code</a:t>
+            </a:r>
+            <a:endParaRPr lang="bg-BG" sz="2800" dirty="0"/>
+          </a:p>
+        </p:txBody>
+      </p:sp>
+      <p:sp>
+        <p:nvSpPr>
+          <p:cNvPr id="16" name="TextBox 15">
+            <a:extLst>
+              <a:ext uri="{FF2B5EF4-FFF2-40B4-BE49-F238E27FC236}">
+                <a16:creationId xmlns:a16="http://schemas.microsoft.com/office/drawing/2014/main" id="{2BDD209F-6D67-AF6C-9F2C-2C33ED30705A}"/>
+              </a:ext>
+            </a:extLst>
+          </p:cNvPr>
+          <p:cNvSpPr txBox="1"/>
+          <p:nvPr/>
+        </p:nvSpPr>
+        <p:spPr>
+          <a:xfrm>
+            <a:off x="1294793" y="5886851"/>
+            <a:ext cx="1786829" cy="954107"/>
+          </a:xfrm>
+          <a:prstGeom prst="rect">
+            <a:avLst/>
+          </a:prstGeom>
+          <a:noFill/>
+        </p:spPr>
+        <p:txBody>
+          <a:bodyPr wrap="square" rtlCol="0">
+            <a:spAutoFit/>
+          </a:bodyPr>
+          <a:lstStyle/>
+          <a:p>
+            <a:pPr algn="ctr"/>
+            <a:r>
+              <a:rPr lang="en-US" sz="2800" dirty="0"/>
+              <a:t>Microsoft Excel</a:t>
+            </a:r>
+            <a:endParaRPr lang="bg-BG" sz="2800" dirty="0"/>
+          </a:p>
+        </p:txBody>
+      </p:sp>
+      <p:sp>
+        <p:nvSpPr>
+          <p:cNvPr id="17" name="TextBox 16">
+            <a:extLst>
+              <a:ext uri="{FF2B5EF4-FFF2-40B4-BE49-F238E27FC236}">
+                <a16:creationId xmlns:a16="http://schemas.microsoft.com/office/drawing/2014/main" id="{8953F172-6B08-9A7F-EC63-A34263CDAFD0}"/>
+              </a:ext>
+            </a:extLst>
+          </p:cNvPr>
+          <p:cNvSpPr txBox="1"/>
+          <p:nvPr/>
+        </p:nvSpPr>
+        <p:spPr>
+          <a:xfrm>
+            <a:off x="3887050" y="5886852"/>
+            <a:ext cx="1762361" cy="954107"/>
+          </a:xfrm>
+          <a:prstGeom prst="rect">
+            <a:avLst/>
+          </a:prstGeom>
+          <a:noFill/>
+        </p:spPr>
+        <p:txBody>
+          <a:bodyPr wrap="square" rtlCol="0">
+            <a:spAutoFit/>
+          </a:bodyPr>
+          <a:lstStyle/>
+          <a:p>
+            <a:pPr algn="ctr"/>
+            <a:r>
+              <a:rPr lang="en-US" sz="2800" dirty="0"/>
+              <a:t>Microsoft Word</a:t>
+            </a:r>
+          </a:p>
+        </p:txBody>
+      </p:sp>
+      <p:sp>
+        <p:nvSpPr>
+          <p:cNvPr id="18" name="TextBox 17">
+            <a:extLst>
+              <a:ext uri="{FF2B5EF4-FFF2-40B4-BE49-F238E27FC236}">
+                <a16:creationId xmlns:a16="http://schemas.microsoft.com/office/drawing/2014/main" id="{8A0EF956-124E-6442-E5E3-49CEE25AB782}"/>
+              </a:ext>
+            </a:extLst>
+          </p:cNvPr>
+          <p:cNvSpPr txBox="1"/>
+          <p:nvPr/>
+        </p:nvSpPr>
+        <p:spPr>
+          <a:xfrm>
+            <a:off x="6478681" y="5886851"/>
+            <a:ext cx="1943829" cy="1231106"/>
+          </a:xfrm>
+          <a:prstGeom prst="rect">
+            <a:avLst/>
+          </a:prstGeom>
+          <a:noFill/>
+        </p:spPr>
+        <p:txBody>
+          <a:bodyPr wrap="square" rtlCol="0">
+            <a:spAutoFit/>
+          </a:bodyPr>
+          <a:lstStyle/>
+          <a:p>
+            <a:pPr algn="ctr"/>
+            <a:r>
+              <a:rPr lang="en-US" sz="2800" dirty="0"/>
+              <a:t>Microsoft PowerPoint</a:t>
+            </a:r>
+          </a:p>
+          <a:p>
+            <a:endParaRPr lang="bg-BG" dirty="0"/>
+          </a:p>
+        </p:txBody>
+      </p:sp>
+      <p:sp>
+        <p:nvSpPr>
+          <p:cNvPr id="19" name="TextBox 18">
+            <a:extLst>
+              <a:ext uri="{FF2B5EF4-FFF2-40B4-BE49-F238E27FC236}">
+                <a16:creationId xmlns:a16="http://schemas.microsoft.com/office/drawing/2014/main" id="{E25964BF-8CCF-0158-9E4C-F251D685D83A}"/>
+              </a:ext>
+            </a:extLst>
+          </p:cNvPr>
+          <p:cNvSpPr txBox="1"/>
+          <p:nvPr/>
+        </p:nvSpPr>
+        <p:spPr>
+          <a:xfrm>
+            <a:off x="9405784" y="5886851"/>
+            <a:ext cx="1731064" cy="954107"/>
+          </a:xfrm>
+          <a:prstGeom prst="rect">
+            <a:avLst/>
+          </a:prstGeom>
+          <a:noFill/>
+        </p:spPr>
+        <p:txBody>
+          <a:bodyPr wrap="square" rtlCol="0">
+            <a:spAutoFit/>
+          </a:bodyPr>
+          <a:lstStyle/>
+          <a:p>
+            <a:pPr algn="ctr"/>
+            <a:r>
+              <a:rPr lang="en-US" sz="2800" dirty="0"/>
+              <a:t>Microsoft Teams</a:t>
+            </a:r>
+          </a:p>
+        </p:txBody>
+      </p:sp>
+      <p:pic>
+        <p:nvPicPr>
+          <p:cNvPr id="23" name="Picture 22" descr="Icon&#10;&#10;Description automatically generated">
+            <a:extLst>
+              <a:ext uri="{FF2B5EF4-FFF2-40B4-BE49-F238E27FC236}">
+                <a16:creationId xmlns:a16="http://schemas.microsoft.com/office/drawing/2014/main" id="{F6908A13-237F-C866-8BD9-43067045DCFA}"/>
+              </a:ext>
+            </a:extLst>
+          </p:cNvPr>
+          <p:cNvPicPr>
+            <a:picLocks noChangeAspect="1"/>
+          </p:cNvPicPr>
+          <p:nvPr/>
+        </p:nvPicPr>
+        <p:blipFill>
+          <a:blip r:embed="rId9">
+            <a:extLst>
+              <a:ext uri="{28A0092B-C50C-407E-A947-70E740481C1C}">
+                <a14:useLocalDpi xmlns:a14="http://schemas.microsoft.com/office/drawing/2010/main" val="0"/>
+              </a:ext>
+            </a:extLst>
+          </a:blip>
+          <a:stretch>
+            <a:fillRect/>
+          </a:stretch>
+        </p:blipFill>
+        <p:spPr>
+          <a:xfrm>
+            <a:off x="1098966" y="1392728"/>
+            <a:ext cx="1982656" cy="1982656"/>
+          </a:xfrm>
+          <a:prstGeom prst="rect">
+            <a:avLst/>
+          </a:prstGeom>
+        </p:spPr>
+      </p:pic>
+      <p:sp>
+        <p:nvSpPr>
+          <p:cNvPr id="24" name="TextBox 23">
+            <a:extLst>
+              <a:ext uri="{FF2B5EF4-FFF2-40B4-BE49-F238E27FC236}">
+                <a16:creationId xmlns:a16="http://schemas.microsoft.com/office/drawing/2014/main" id="{047641F3-F17A-3A2A-636D-24622593D8B1}"/>
+              </a:ext>
+            </a:extLst>
+          </p:cNvPr>
+          <p:cNvSpPr txBox="1"/>
+          <p:nvPr/>
+        </p:nvSpPr>
+        <p:spPr>
+          <a:xfrm>
+            <a:off x="1376197" y="3504408"/>
+            <a:ext cx="1428194" cy="523220"/>
+          </a:xfrm>
+          <a:prstGeom prst="rect">
+            <a:avLst/>
+          </a:prstGeom>
+        </p:spPr>
+        <p:txBody>
+          <a:bodyPr wrap="square" rtlCol="0">
+            <a:spAutoFit/>
+          </a:bodyPr>
+          <a:lstStyle/>
+          <a:p>
+            <a:pPr algn="ctr"/>
+            <a:r>
+              <a:rPr lang="en-US" sz="2800" dirty="0"/>
+              <a:t>GitHub</a:t>
+            </a:r>
+            <a:endParaRPr lang="bg-BG" sz="2800" dirty="0"/>
           </a:p>
         </p:txBody>
       </p:sp>
     </p:spTree>
     <p:extLst>
       <p:ext uri="{BB962C8B-B14F-4D97-AF65-F5344CB8AC3E}">
-        <p14:creationId xmlns:p14="http://schemas.microsoft.com/office/powerpoint/2010/main" val="1328853633"/>
+        <p14:creationId xmlns:p14="http://schemas.microsoft.com/office/powerpoint/2010/main" val="1198748416"/>
       </p:ext>
     </p:extLst>
   </p:cSld>
   <p:clrMapOvr>
     <a:masterClrMapping/>
   </p:clrMapOvr>
-  <p:timing>
-    <p:tnLst>
-      <p:par>
-        <p:cTn id="1" dur="indefinite" restart="never" nodeType="tmRoot">
-          <p:childTnLst>
-            <p:seq concurrent="1" nextAc="seek">
-              <p:cTn id="2" dur="indefinite" nodeType="mainSeq">
-                <p:childTnLst>
-                  <p:par>
-                    <p:cTn id="3" fill="hold">
-                      <p:stCondLst>
-                        <p:cond delay="indefinite"/>
-                        <p:cond evt="onBegin" delay="0">
-                          <p:tn val="2"/>
-                        </p:cond>
-                      </p:stCondLst>
-                      <p:childTnLst>
-                        <p:par>
-                          <p:cTn id="4" fill="hold">
-                            <p:stCondLst>
-                              <p:cond delay="0"/>
-                            </p:stCondLst>
-                            <p:childTnLst>
-                              <p:par>
-                                <p:cTn id="5" presetID="43" presetClass="entr" presetSubtype="0" fill="hold" grpId="0" nodeType="afterEffect">
-                                  <p:stCondLst>
-                                    <p:cond delay="0"/>
-                                  </p:stCondLst>
-                                  <p:childTnLst>
-                                    <p:set>
-                                      <p:cBhvr>
-                                        <p:cTn id="6" dur="1" fill="hold">
-                                          <p:stCondLst>
-                                            <p:cond delay="0"/>
-                                          </p:stCondLst>
-                                        </p:cTn>
-                                        <p:tgtEl>
-                                          <p:spTgt spid="4"/>
-                                        </p:tgtEl>
-                                        <p:attrNameLst>
-                                          <p:attrName>style.visibility</p:attrName>
-                                        </p:attrNameLst>
-                                      </p:cBhvr>
-                                      <p:to>
-                                        <p:strVal val="visible"/>
-                                      </p:to>
-                                    </p:set>
-                                    <p:animEffect transition="in" filter="fade">
-                                      <p:cBhvr>
-                                        <p:cTn id="7" dur="100"/>
-                                        <p:tgtEl>
-                                          <p:spTgt spid="4"/>
-                                        </p:tgtEl>
-                                      </p:cBhvr>
-                                    </p:animEffect>
-                                    <p:anim calcmode="lin" valueType="num">
-                                      <p:cBhvr>
-                                        <p:cTn id="8" dur="400" fill="hold"/>
-                                        <p:tgtEl>
-                                          <p:spTgt spid="4"/>
-                                        </p:tgtEl>
-                                        <p:attrNameLst>
-                                          <p:attrName>ppt_x</p:attrName>
-                                        </p:attrNameLst>
-                                      </p:cBhvr>
-                                      <p:tavLst>
-                                        <p:tav tm="0">
-                                          <p:val>
-                                            <p:strVal val="#ppt_x"/>
-                                          </p:val>
-                                        </p:tav>
-                                        <p:tav tm="100000">
-                                          <p:val>
-                                            <p:strVal val="#ppt_x"/>
-                                          </p:val>
-                                        </p:tav>
-                                      </p:tavLst>
-                                    </p:anim>
-                                    <p:anim calcmode="lin" valueType="num">
-                                      <p:cBhvr>
-                                        <p:cTn id="9" dur="400" fill="hold"/>
-                                        <p:tgtEl>
-                                          <p:spTgt spid="4"/>
-                                        </p:tgtEl>
-                                        <p:attrNameLst>
-                                          <p:attrName>ppt_y</p:attrName>
-                                        </p:attrNameLst>
-                                      </p:cBhvr>
-                                      <p:tavLst>
-                                        <p:tav tm="0">
-                                          <p:val>
-                                            <p:strVal val="#ppt_y+0.31"/>
-                                          </p:val>
-                                        </p:tav>
-                                        <p:tav tm="100000">
-                                          <p:val>
-                                            <p:strVal val="#ppt_y+0.31"/>
-                                          </p:val>
-                                        </p:tav>
-                                      </p:tavLst>
-                                    </p:anim>
-                                    <p:anim calcmode="lin" valueType="num">
-                                      <p:cBhvr>
-                                        <p:cTn id="10" dur="600" decel="50000" fill="hold">
-                                          <p:stCondLst>
-                                            <p:cond delay="400"/>
-                                          </p:stCondLst>
-                                        </p:cTn>
-                                        <p:tgtEl>
-                                          <p:spTgt spid="4"/>
-                                        </p:tgtEl>
-                                        <p:attrNameLst>
-                                          <p:attrName>ppt_x</p:attrName>
-                                        </p:attrNameLst>
-                                      </p:cBhvr>
-                                      <p:tavLst>
-                                        <p:tav tm="0">
-                                          <p:val>
-                                            <p:strVal val="#ppt_x"/>
-                                          </p:val>
-                                        </p:tav>
-                                        <p:tav tm="5000">
-                                          <p:val>
-                                            <p:strVal val="#ppt_x+0.0242"/>
-                                          </p:val>
-                                        </p:tav>
-                                        <p:tav tm="10000">
-                                          <p:val>
-                                            <p:strVal val="#ppt_x+0.0479"/>
-                                          </p:val>
-                                        </p:tav>
-                                        <p:tav tm="15000">
-                                          <p:val>
-                                            <p:strVal val="#ppt_x+0.0704"/>
-                                          </p:val>
-                                        </p:tav>
-                                        <p:tav tm="20000">
-                                          <p:val>
-                                            <p:strVal val="#ppt_x+0.0911"/>
-                                          </p:val>
-                                        </p:tav>
-                                        <p:tav tm="25000">
-                                          <p:val>
-                                            <p:strVal val="#ppt_x+0.1096"/>
-                                          </p:val>
-                                        </p:tav>
-                                        <p:tav tm="30000">
-                                          <p:val>
-                                            <p:strVal val="#ppt_x+0.1254"/>
-                                          </p:val>
-                                        </p:tav>
-                                        <p:tav tm="35000">
-                                          <p:val>
-                                            <p:strVal val="#ppt_x+0.1381"/>
-                                          </p:val>
-                                        </p:tav>
-                                        <p:tav tm="40000">
-                                          <p:val>
-                                            <p:strVal val="#ppt_x+0.1474"/>
-                                          </p:val>
-                                        </p:tav>
-                                        <p:tav tm="45000">
-                                          <p:val>
-                                            <p:strVal val="#ppt_x+0.1531"/>
-                                          </p:val>
-                                        </p:tav>
-                                        <p:tav tm="50000">
-                                          <p:val>
-                                            <p:strVal val="#ppt_x+0.1550"/>
-                                          </p:val>
-                                        </p:tav>
-                                        <p:tav tm="55000">
-                                          <p:val>
-                                            <p:strVal val="#ppt_x+0.1531"/>
-                                          </p:val>
-                                        </p:tav>
-                                        <p:tav tm="60000">
-                                          <p:val>
-                                            <p:strVal val="#ppt_x+0.1474"/>
-                                          </p:val>
-                                        </p:tav>
-                                        <p:tav tm="65000">
-                                          <p:val>
-                                            <p:strVal val="#ppt_x+0.1381"/>
-                                          </p:val>
-                                        </p:tav>
-                                        <p:tav tm="70000">
-                                          <p:val>
-                                            <p:strVal val="#ppt_x+0.1254"/>
-                                          </p:val>
-                                        </p:tav>
-                                        <p:tav tm="75000">
-                                          <p:val>
-                                            <p:strVal val="#ppt_x+0.1096"/>
-                                          </p:val>
-                                        </p:tav>
-                                        <p:tav tm="80000">
-                                          <p:val>
-                                            <p:strVal val="#ppt_x+0.0911"/>
-                                          </p:val>
-                                        </p:tav>
-                                        <p:tav tm="85000">
-                                          <p:val>
-                                            <p:strVal val="#ppt_x+0.0704"/>
-                                          </p:val>
-                                        </p:tav>
-                                        <p:tav tm="90000">
-                                          <p:val>
-                                            <p:strVal val="#ppt_x+0.0479"/>
-                                          </p:val>
-                                        </p:tav>
-                                        <p:tav tm="95000">
-                                          <p:val>
-                                            <p:strVal val="#ppt_x+0.0242"/>
-                                          </p:val>
-                                        </p:tav>
-                                        <p:tav tm="100000">
-                                          <p:val>
-                                            <p:strVal val="#ppt_x"/>
-                                          </p:val>
-                                        </p:tav>
-                                      </p:tavLst>
-                                    </p:anim>
-                                    <p:anim calcmode="lin" valueType="num">
-                                      <p:cBhvr>
-                                        <p:cTn id="11" dur="600" decel="50000" fill="hold">
-                                          <p:stCondLst>
-                                            <p:cond delay="400"/>
-                                          </p:stCondLst>
-                                        </p:cTn>
-                                        <p:tgtEl>
-                                          <p:spTgt spid="4"/>
-                                        </p:tgtEl>
-                                        <p:attrNameLst>
-                                          <p:attrName>ppt_y</p:attrName>
-                                        </p:attrNameLst>
-                                      </p:cBhvr>
-                                      <p:tavLst>
-                                        <p:tav tm="0">
-                                          <p:val>
-                                            <p:strVal val="#ppt_y+0.31"/>
-                                          </p:val>
-                                        </p:tav>
-                                        <p:tav tm="5000">
-                                          <p:val>
-                                            <p:strVal val="#ppt_y+0.308"/>
-                                          </p:val>
-                                        </p:tav>
-                                        <p:tav tm="10000">
-                                          <p:val>
-                                            <p:strVal val="#ppt_y+0.3024"/>
-                                          </p:val>
-                                        </p:tav>
-                                        <p:tav tm="15000">
-                                          <p:val>
-                                            <p:strVal val="#ppt_y+0.2931"/>
-                                          </p:val>
-                                        </p:tav>
-                                        <p:tav tm="20000">
-                                          <p:val>
-                                            <p:strVal val="#ppt_y+0.2804"/>
-                                          </p:val>
-                                        </p:tav>
-                                        <p:tav tm="25000">
-                                          <p:val>
-                                            <p:strVal val="#ppt_y+0.2646"/>
-                                          </p:val>
-                                        </p:tav>
-                                        <p:tav tm="30000">
-                                          <p:val>
-                                            <p:strVal val="#ppt_y+0.2461"/>
-                                          </p:val>
-                                        </p:tav>
-                                        <p:tav tm="35000">
-                                          <p:val>
-                                            <p:strVal val="#ppt_y+0.2253"/>
-                                          </p:val>
-                                        </p:tav>
-                                        <p:tav tm="40000">
-                                          <p:val>
-                                            <p:strVal val="#ppt_y+0.2029"/>
-                                          </p:val>
-                                        </p:tav>
-                                        <p:tav tm="45000">
-                                          <p:val>
-                                            <p:strVal val="#ppt_y+0.1792"/>
-                                          </p:val>
-                                        </p:tav>
-                                        <p:tav tm="50000">
-                                          <p:val>
-                                            <p:strVal val="#ppt_y+0.155"/>
-                                          </p:val>
-                                        </p:tav>
-                                        <p:tav tm="55000">
-                                          <p:val>
-                                            <p:strVal val="#ppt_y+0.1307"/>
-                                          </p:val>
-                                        </p:tav>
-                                        <p:tav tm="60000">
-                                          <p:val>
-                                            <p:strVal val="#ppt_y+0.1071"/>
-                                          </p:val>
-                                        </p:tav>
-                                        <p:tav tm="65000">
-                                          <p:val>
-                                            <p:strVal val="#ppt_y+0.0846"/>
-                                          </p:val>
-                                        </p:tav>
-                                        <p:tav tm="70000">
-                                          <p:val>
-                                            <p:strVal val="#ppt_y+0.0639"/>
-                                          </p:val>
-                                        </p:tav>
-                                        <p:tav tm="75000">
-                                          <p:val>
-                                            <p:strVal val="#ppt_y+0.0454"/>
-                                          </p:val>
-                                        </p:tav>
-                                        <p:tav tm="80000">
-                                          <p:val>
-                                            <p:strVal val="#ppt_y+0.0296"/>
-                                          </p:val>
-                                        </p:tav>
-                                        <p:tav tm="85000">
-                                          <p:val>
-                                            <p:strVal val="#ppt_y+0.0169"/>
-                                          </p:val>
-                                        </p:tav>
-                                        <p:tav tm="90000">
-                                          <p:val>
-                                            <p:strVal val="#ppt_y+0.0076"/>
-                                          </p:val>
-                                        </p:tav>
-                                        <p:tav tm="95000">
-                                          <p:val>
-                                            <p:strVal val="#ppt_y+0.0019"/>
-                                          </p:val>
-                                        </p:tav>
-                                        <p:tav tm="100000">
-                                          <p:val>
-                                            <p:strVal val="#ppt_y"/>
-                                          </p:val>
-                                        </p:tav>
-                                      </p:tavLst>
-                                    </p:anim>
-                                  </p:childTnLst>
-                                </p:cTn>
-                              </p:par>
-                            </p:childTnLst>
-                          </p:cTn>
-                        </p:par>
-                        <p:par>
-                          <p:cTn id="12" fill="hold">
-                            <p:stCondLst>
-                              <p:cond delay="1000"/>
-                            </p:stCondLst>
-                            <p:childTnLst>
-                              <p:par>
-                                <p:cTn id="13" presetID="43" presetClass="entr" presetSubtype="0" fill="hold" grpId="0" nodeType="afterEffect">
-                                  <p:stCondLst>
-                                    <p:cond delay="0"/>
-                                  </p:stCondLst>
-                                  <p:childTnLst>
-                                    <p:set>
-                                      <p:cBhvr>
-                                        <p:cTn id="14" dur="1" fill="hold">
-                                          <p:stCondLst>
-                                            <p:cond delay="0"/>
-                                          </p:stCondLst>
-                                        </p:cTn>
-                                        <p:tgtEl>
-                                          <p:spTgt spid="5"/>
-                                        </p:tgtEl>
-                                        <p:attrNameLst>
-                                          <p:attrName>style.visibility</p:attrName>
-                                        </p:attrNameLst>
-                                      </p:cBhvr>
-                                      <p:to>
-                                        <p:strVal val="visible"/>
-                                      </p:to>
-                                    </p:set>
-                                    <p:animEffect transition="in" filter="fade">
-                                      <p:cBhvr>
-                                        <p:cTn id="15" dur="100"/>
-                                        <p:tgtEl>
-                                          <p:spTgt spid="5"/>
-                                        </p:tgtEl>
-                                      </p:cBhvr>
-                                    </p:animEffect>
-                                    <p:anim calcmode="lin" valueType="num">
-                                      <p:cBhvr>
-                                        <p:cTn id="16" dur="400" fill="hold"/>
-                                        <p:tgtEl>
-                                          <p:spTgt spid="5"/>
-                                        </p:tgtEl>
-                                        <p:attrNameLst>
-                                          <p:attrName>ppt_x</p:attrName>
-                                        </p:attrNameLst>
-                                      </p:cBhvr>
-                                      <p:tavLst>
-                                        <p:tav tm="0">
-                                          <p:val>
-                                            <p:strVal val="#ppt_x"/>
-                                          </p:val>
-                                        </p:tav>
-                                        <p:tav tm="100000">
-                                          <p:val>
-                                            <p:strVal val="#ppt_x"/>
-                                          </p:val>
-                                        </p:tav>
-                                      </p:tavLst>
-                                    </p:anim>
-                                    <p:anim calcmode="lin" valueType="num">
-                                      <p:cBhvr>
-                                        <p:cTn id="17" dur="400" fill="hold"/>
-                                        <p:tgtEl>
-                                          <p:spTgt spid="5"/>
-                                        </p:tgtEl>
-                                        <p:attrNameLst>
-                                          <p:attrName>ppt_y</p:attrName>
-                                        </p:attrNameLst>
-                                      </p:cBhvr>
-                                      <p:tavLst>
-                                        <p:tav tm="0">
-                                          <p:val>
-                                            <p:strVal val="#ppt_y+0.31"/>
-                                          </p:val>
-                                        </p:tav>
-                                        <p:tav tm="100000">
-                                          <p:val>
-                                            <p:strVal val="#ppt_y+0.31"/>
-                                          </p:val>
-                                        </p:tav>
-                                      </p:tavLst>
-                                    </p:anim>
-                                    <p:anim calcmode="lin" valueType="num">
-                                      <p:cBhvr>
-                                        <p:cTn id="18" dur="600" decel="50000" fill="hold">
-                                          <p:stCondLst>
-                                            <p:cond delay="400"/>
-                                          </p:stCondLst>
-                                        </p:cTn>
-                                        <p:tgtEl>
-                                          <p:spTgt spid="5"/>
-                                        </p:tgtEl>
-                                        <p:attrNameLst>
-                                          <p:attrName>ppt_x</p:attrName>
-                                        </p:attrNameLst>
-                                      </p:cBhvr>
-                                      <p:tavLst>
-                                        <p:tav tm="0">
-                                          <p:val>
-                                            <p:strVal val="#ppt_x"/>
-                                          </p:val>
-                                        </p:tav>
-                                        <p:tav tm="5000">
-                                          <p:val>
-                                            <p:strVal val="#ppt_x+0.0242"/>
-                                          </p:val>
-                                        </p:tav>
-                                        <p:tav tm="10000">
-                                          <p:val>
-                                            <p:strVal val="#ppt_x+0.0479"/>
-                                          </p:val>
-                                        </p:tav>
-                                        <p:tav tm="15000">
-                                          <p:val>
-                                            <p:strVal val="#ppt_x+0.0704"/>
-                                          </p:val>
-                                        </p:tav>
-                                        <p:tav tm="20000">
-                                          <p:val>
-                                            <p:strVal val="#ppt_x+0.0911"/>
-                                          </p:val>
-                                        </p:tav>
-                                        <p:tav tm="25000">
-                                          <p:val>
-                                            <p:strVal val="#ppt_x+0.1096"/>
-                                          </p:val>
-                                        </p:tav>
-                                        <p:tav tm="30000">
-                                          <p:val>
-                                            <p:strVal val="#ppt_x+0.1254"/>
-                                          </p:val>
-                                        </p:tav>
-                                        <p:tav tm="35000">
-                                          <p:val>
-                                            <p:strVal val="#ppt_x+0.1381"/>
-                                          </p:val>
-                                        </p:tav>
-                                        <p:tav tm="40000">
-                                          <p:val>
-                                            <p:strVal val="#ppt_x+0.1474"/>
-                                          </p:val>
-                                        </p:tav>
-                                        <p:tav tm="45000">
-                                          <p:val>
-                                            <p:strVal val="#ppt_x+0.1531"/>
-                                          </p:val>
-                                        </p:tav>
-                                        <p:tav tm="50000">
-                                          <p:val>
-                                            <p:strVal val="#ppt_x+0.1550"/>
-                                          </p:val>
-                                        </p:tav>
-                                        <p:tav tm="55000">
-                                          <p:val>
-                                            <p:strVal val="#ppt_x+0.1531"/>
-                                          </p:val>
-                                        </p:tav>
-                                        <p:tav tm="60000">
-                                          <p:val>
-                                            <p:strVal val="#ppt_x+0.1474"/>
-                                          </p:val>
-                                        </p:tav>
-                                        <p:tav tm="65000">
-                                          <p:val>
-                                            <p:strVal val="#ppt_x+0.1381"/>
-                                          </p:val>
-                                        </p:tav>
-                                        <p:tav tm="70000">
-                                          <p:val>
-                                            <p:strVal val="#ppt_x+0.1254"/>
-                                          </p:val>
-                                        </p:tav>
-                                        <p:tav tm="75000">
-                                          <p:val>
-                                            <p:strVal val="#ppt_x+0.1096"/>
-                                          </p:val>
-                                        </p:tav>
-                                        <p:tav tm="80000">
-                                          <p:val>
-                                            <p:strVal val="#ppt_x+0.0911"/>
-                                          </p:val>
-                                        </p:tav>
-                                        <p:tav tm="85000">
-                                          <p:val>
-                                            <p:strVal val="#ppt_x+0.0704"/>
-                                          </p:val>
-                                        </p:tav>
-                                        <p:tav tm="90000">
-                                          <p:val>
-                                            <p:strVal val="#ppt_x+0.0479"/>
-                                          </p:val>
-                                        </p:tav>
-                                        <p:tav tm="95000">
-                                          <p:val>
-                                            <p:strVal val="#ppt_x+0.0242"/>
-                                          </p:val>
-                                        </p:tav>
-                                        <p:tav tm="100000">
-                                          <p:val>
-                                            <p:strVal val="#ppt_x"/>
-                                          </p:val>
-                                        </p:tav>
-                                      </p:tavLst>
-                                    </p:anim>
-                                    <p:anim calcmode="lin" valueType="num">
-                                      <p:cBhvr>
-                                        <p:cTn id="19" dur="600" decel="50000" fill="hold">
-                                          <p:stCondLst>
-                                            <p:cond delay="400"/>
-                                          </p:stCondLst>
-                                        </p:cTn>
-                                        <p:tgtEl>
-                                          <p:spTgt spid="5"/>
-                                        </p:tgtEl>
-                                        <p:attrNameLst>
-                                          <p:attrName>ppt_y</p:attrName>
-                                        </p:attrNameLst>
-                                      </p:cBhvr>
-                                      <p:tavLst>
-                                        <p:tav tm="0">
-                                          <p:val>
-                                            <p:strVal val="#ppt_y+0.31"/>
-                                          </p:val>
-                                        </p:tav>
-                                        <p:tav tm="5000">
-                                          <p:val>
-                                            <p:strVal val="#ppt_y+0.308"/>
-                                          </p:val>
-                                        </p:tav>
-                                        <p:tav tm="10000">
-                                          <p:val>
-                                            <p:strVal val="#ppt_y+0.3024"/>
-                                          </p:val>
-                                        </p:tav>
-                                        <p:tav tm="15000">
-                                          <p:val>
-                                            <p:strVal val="#ppt_y+0.2931"/>
-                                          </p:val>
-                                        </p:tav>
-                                        <p:tav tm="20000">
-                                          <p:val>
-                                            <p:strVal val="#ppt_y+0.2804"/>
-                                          </p:val>
-                                        </p:tav>
-                                        <p:tav tm="25000">
-                                          <p:val>
-                                            <p:strVal val="#ppt_y+0.2646"/>
-                                          </p:val>
-                                        </p:tav>
-                                        <p:tav tm="30000">
-                                          <p:val>
-                                            <p:strVal val="#ppt_y+0.2461"/>
-                                          </p:val>
-                                        </p:tav>
-                                        <p:tav tm="35000">
-                                          <p:val>
-                                            <p:strVal val="#ppt_y+0.2253"/>
-                                          </p:val>
-                                        </p:tav>
-                                        <p:tav tm="40000">
-                                          <p:val>
-                                            <p:strVal val="#ppt_y+0.2029"/>
-                                          </p:val>
-                                        </p:tav>
-                                        <p:tav tm="45000">
-                                          <p:val>
-                                            <p:strVal val="#ppt_y+0.1792"/>
-                                          </p:val>
-                                        </p:tav>
-                                        <p:tav tm="50000">
-                                          <p:val>
-                                            <p:strVal val="#ppt_y+0.155"/>
-                                          </p:val>
-                                        </p:tav>
-                                        <p:tav tm="55000">
-                                          <p:val>
-                                            <p:strVal val="#ppt_y+0.1307"/>
-                                          </p:val>
-                                        </p:tav>
-                                        <p:tav tm="60000">
-                                          <p:val>
-                                            <p:strVal val="#ppt_y+0.1071"/>
-                                          </p:val>
-                                        </p:tav>
-                                        <p:tav tm="65000">
-                                          <p:val>
-                                            <p:strVal val="#ppt_y+0.0846"/>
-                                          </p:val>
-                                        </p:tav>
-                                        <p:tav tm="70000">
-                                          <p:val>
-                                            <p:strVal val="#ppt_y+0.0639"/>
-                                          </p:val>
-                                        </p:tav>
-                                        <p:tav tm="75000">
-                                          <p:val>
-                                            <p:strVal val="#ppt_y+0.0454"/>
-                                          </p:val>
-                                        </p:tav>
-                                        <p:tav tm="80000">
-                                          <p:val>
-                                            <p:strVal val="#ppt_y+0.0296"/>
-                                          </p:val>
-                                        </p:tav>
-                                        <p:tav tm="85000">
-                                          <p:val>
-                                            <p:strVal val="#ppt_y+0.0169"/>
-                                          </p:val>
-                                        </p:tav>
-                                        <p:tav tm="90000">
-                                          <p:val>
-                                            <p:strVal val="#ppt_y+0.0076"/>
-                                          </p:val>
-                                        </p:tav>
-                                        <p:tav tm="95000">
-                                          <p:val>
-                                            <p:strVal val="#ppt_y+0.0019"/>
-                                          </p:val>
-                                        </p:tav>
-                                        <p:tav tm="100000">
-                                          <p:val>
-                                            <p:strVal val="#ppt_y"/>
-                                          </p:val>
-                                        </p:tav>
-                                      </p:tavLst>
-                                    </p:anim>
-                                  </p:childTnLst>
-                                </p:cTn>
-                              </p:par>
-                            </p:childTnLst>
-                          </p:cTn>
-                        </p:par>
-                        <p:par>
-                          <p:cTn id="20" fill="hold">
-                            <p:stCondLst>
-                              <p:cond delay="2000"/>
-                            </p:stCondLst>
-                            <p:childTnLst>
-                              <p:par>
-                                <p:cTn id="21" presetID="43" presetClass="entr" presetSubtype="0" fill="hold" grpId="0" nodeType="afterEffect">
-                                  <p:stCondLst>
-                                    <p:cond delay="0"/>
-                                  </p:stCondLst>
-                                  <p:childTnLst>
-                                    <p:set>
-                                      <p:cBhvr>
-                                        <p:cTn id="22" dur="1" fill="hold">
-                                          <p:stCondLst>
-                                            <p:cond delay="0"/>
-                                          </p:stCondLst>
-                                        </p:cTn>
-                                        <p:tgtEl>
-                                          <p:spTgt spid="6"/>
-                                        </p:tgtEl>
-                                        <p:attrNameLst>
-                                          <p:attrName>style.visibility</p:attrName>
-                                        </p:attrNameLst>
-                                      </p:cBhvr>
-                                      <p:to>
-                                        <p:strVal val="visible"/>
-                                      </p:to>
-                                    </p:set>
-                                    <p:animEffect transition="in" filter="fade">
-                                      <p:cBhvr>
-                                        <p:cTn id="23" dur="100"/>
-                                        <p:tgtEl>
-                                          <p:spTgt spid="6"/>
-                                        </p:tgtEl>
-                                      </p:cBhvr>
-                                    </p:animEffect>
-                                    <p:anim calcmode="lin" valueType="num">
-                                      <p:cBhvr>
-                                        <p:cTn id="24" dur="400" fill="hold"/>
-                                        <p:tgtEl>
-                                          <p:spTgt spid="6"/>
-                                        </p:tgtEl>
-                                        <p:attrNameLst>
-                                          <p:attrName>ppt_x</p:attrName>
-                                        </p:attrNameLst>
-                                      </p:cBhvr>
-                                      <p:tavLst>
-                                        <p:tav tm="0">
-                                          <p:val>
-                                            <p:strVal val="#ppt_x"/>
-                                          </p:val>
-                                        </p:tav>
-                                        <p:tav tm="100000">
-                                          <p:val>
-                                            <p:strVal val="#ppt_x"/>
-                                          </p:val>
-                                        </p:tav>
-                                      </p:tavLst>
-                                    </p:anim>
-                                    <p:anim calcmode="lin" valueType="num">
-                                      <p:cBhvr>
-                                        <p:cTn id="25" dur="400" fill="hold"/>
-                                        <p:tgtEl>
-                                          <p:spTgt spid="6"/>
-                                        </p:tgtEl>
-                                        <p:attrNameLst>
-                                          <p:attrName>ppt_y</p:attrName>
-                                        </p:attrNameLst>
-                                      </p:cBhvr>
-                                      <p:tavLst>
-                                        <p:tav tm="0">
-                                          <p:val>
-                                            <p:strVal val="#ppt_y+0.31"/>
-                                          </p:val>
-                                        </p:tav>
-                                        <p:tav tm="100000">
-                                          <p:val>
-                                            <p:strVal val="#ppt_y+0.31"/>
-                                          </p:val>
-                                        </p:tav>
-                                      </p:tavLst>
-                                    </p:anim>
-                                    <p:anim calcmode="lin" valueType="num">
-                                      <p:cBhvr>
-                                        <p:cTn id="26" dur="600" decel="50000" fill="hold">
-                                          <p:stCondLst>
-                                            <p:cond delay="400"/>
-                                          </p:stCondLst>
-                                        </p:cTn>
-                                        <p:tgtEl>
-                                          <p:spTgt spid="6"/>
-                                        </p:tgtEl>
-                                        <p:attrNameLst>
-                                          <p:attrName>ppt_x</p:attrName>
-                                        </p:attrNameLst>
-                                      </p:cBhvr>
-                                      <p:tavLst>
-                                        <p:tav tm="0">
-                                          <p:val>
-                                            <p:strVal val="#ppt_x"/>
-                                          </p:val>
-                                        </p:tav>
-                                        <p:tav tm="5000">
-                                          <p:val>
-                                            <p:strVal val="#ppt_x+0.0242"/>
-                                          </p:val>
-                                        </p:tav>
-                                        <p:tav tm="10000">
-                                          <p:val>
-                                            <p:strVal val="#ppt_x+0.0479"/>
-                                          </p:val>
-                                        </p:tav>
-                                        <p:tav tm="15000">
-                                          <p:val>
-                                            <p:strVal val="#ppt_x+0.0704"/>
-                                          </p:val>
-                                        </p:tav>
-                                        <p:tav tm="20000">
-                                          <p:val>
-                                            <p:strVal val="#ppt_x+0.0911"/>
-                                          </p:val>
-                                        </p:tav>
-                                        <p:tav tm="25000">
-                                          <p:val>
-                                            <p:strVal val="#ppt_x+0.1096"/>
-                                          </p:val>
-                                        </p:tav>
-                                        <p:tav tm="30000">
-                                          <p:val>
-                                            <p:strVal val="#ppt_x+0.1254"/>
-                                          </p:val>
-                                        </p:tav>
-                                        <p:tav tm="35000">
-                                          <p:val>
-                                            <p:strVal val="#ppt_x+0.1381"/>
-                                          </p:val>
-                                        </p:tav>
-                                        <p:tav tm="40000">
-                                          <p:val>
-                                            <p:strVal val="#ppt_x+0.1474"/>
-                                          </p:val>
-                                        </p:tav>
-                                        <p:tav tm="45000">
-                                          <p:val>
-                                            <p:strVal val="#ppt_x+0.1531"/>
-                                          </p:val>
-                                        </p:tav>
-                                        <p:tav tm="50000">
-                                          <p:val>
-                                            <p:strVal val="#ppt_x+0.1550"/>
-                                          </p:val>
-                                        </p:tav>
-                                        <p:tav tm="55000">
-                                          <p:val>
-                                            <p:strVal val="#ppt_x+0.1531"/>
-                                          </p:val>
-                                        </p:tav>
-                                        <p:tav tm="60000">
-                                          <p:val>
-                                            <p:strVal val="#ppt_x+0.1474"/>
-                                          </p:val>
-                                        </p:tav>
-                                        <p:tav tm="65000">
-                                          <p:val>
-                                            <p:strVal val="#ppt_x+0.1381"/>
-                                          </p:val>
-                                        </p:tav>
-                                        <p:tav tm="70000">
-                                          <p:val>
-                                            <p:strVal val="#ppt_x+0.1254"/>
-                                          </p:val>
-                                        </p:tav>
-                                        <p:tav tm="75000">
-                                          <p:val>
-                                            <p:strVal val="#ppt_x+0.1096"/>
-                                          </p:val>
-                                        </p:tav>
-                                        <p:tav tm="80000">
-                                          <p:val>
-                                            <p:strVal val="#ppt_x+0.0911"/>
-                                          </p:val>
-                                        </p:tav>
-                                        <p:tav tm="85000">
-                                          <p:val>
-                                            <p:strVal val="#ppt_x+0.0704"/>
-                                          </p:val>
-                                        </p:tav>
-                                        <p:tav tm="90000">
-                                          <p:val>
-                                            <p:strVal val="#ppt_x+0.0479"/>
-                                          </p:val>
-                                        </p:tav>
-                                        <p:tav tm="95000">
-                                          <p:val>
-                                            <p:strVal val="#ppt_x+0.0242"/>
-                                          </p:val>
-                                        </p:tav>
-                                        <p:tav tm="100000">
-                                          <p:val>
-                                            <p:strVal val="#ppt_x"/>
-                                          </p:val>
-                                        </p:tav>
-                                      </p:tavLst>
-                                    </p:anim>
-                                    <p:anim calcmode="lin" valueType="num">
-                                      <p:cBhvr>
-                                        <p:cTn id="27" dur="600" decel="50000" fill="hold">
-                                          <p:stCondLst>
-                                            <p:cond delay="400"/>
-                                          </p:stCondLst>
-                                        </p:cTn>
-                                        <p:tgtEl>
-                                          <p:spTgt spid="6"/>
-                                        </p:tgtEl>
-                                        <p:attrNameLst>
-                                          <p:attrName>ppt_y</p:attrName>
-                                        </p:attrNameLst>
-                                      </p:cBhvr>
-                                      <p:tavLst>
-                                        <p:tav tm="0">
-                                          <p:val>
-                                            <p:strVal val="#ppt_y+0.31"/>
-                                          </p:val>
-                                        </p:tav>
-                                        <p:tav tm="5000">
-                                          <p:val>
-                                            <p:strVal val="#ppt_y+0.308"/>
-                                          </p:val>
-                                        </p:tav>
-                                        <p:tav tm="10000">
-                                          <p:val>
-                                            <p:strVal val="#ppt_y+0.3024"/>
-                                          </p:val>
-                                        </p:tav>
-                                        <p:tav tm="15000">
-                                          <p:val>
-                                            <p:strVal val="#ppt_y+0.2931"/>
-                                          </p:val>
-                                        </p:tav>
-                                        <p:tav tm="20000">
-                                          <p:val>
-                                            <p:strVal val="#ppt_y+0.2804"/>
-                                          </p:val>
-                                        </p:tav>
-                                        <p:tav tm="25000">
-                                          <p:val>
-                                            <p:strVal val="#ppt_y+0.2646"/>
-                                          </p:val>
-                                        </p:tav>
-                                        <p:tav tm="30000">
-                                          <p:val>
-                                            <p:strVal val="#ppt_y+0.2461"/>
-                                          </p:val>
-                                        </p:tav>
-                                        <p:tav tm="35000">
-                                          <p:val>
-                                            <p:strVal val="#ppt_y+0.2253"/>
-                                          </p:val>
-                                        </p:tav>
-                                        <p:tav tm="40000">
-                                          <p:val>
-                                            <p:strVal val="#ppt_y+0.2029"/>
-                                          </p:val>
-                                        </p:tav>
-                                        <p:tav tm="45000">
-                                          <p:val>
-                                            <p:strVal val="#ppt_y+0.1792"/>
-                                          </p:val>
-                                        </p:tav>
-                                        <p:tav tm="50000">
-                                          <p:val>
-                                            <p:strVal val="#ppt_y+0.155"/>
-                                          </p:val>
-                                        </p:tav>
-                                        <p:tav tm="55000">
-                                          <p:val>
-                                            <p:strVal val="#ppt_y+0.1307"/>
-                                          </p:val>
-                                        </p:tav>
-                                        <p:tav tm="60000">
-                                          <p:val>
-                                            <p:strVal val="#ppt_y+0.1071"/>
-                                          </p:val>
-                                        </p:tav>
-                                        <p:tav tm="65000">
-                                          <p:val>
-                                            <p:strVal val="#ppt_y+0.0846"/>
-                                          </p:val>
-                                        </p:tav>
-                                        <p:tav tm="70000">
-                                          <p:val>
-                                            <p:strVal val="#ppt_y+0.0639"/>
-                                          </p:val>
-                                        </p:tav>
-                                        <p:tav tm="75000">
-                                          <p:val>
-                                            <p:strVal val="#ppt_y+0.0454"/>
-                                          </p:val>
-                                        </p:tav>
-                                        <p:tav tm="80000">
-                                          <p:val>
-                                            <p:strVal val="#ppt_y+0.0296"/>
-                                          </p:val>
-                                        </p:tav>
-                                        <p:tav tm="85000">
-                                          <p:val>
-                                            <p:strVal val="#ppt_y+0.0169"/>
-                                          </p:val>
-                                        </p:tav>
-                                        <p:tav tm="90000">
-                                          <p:val>
-                                            <p:strVal val="#ppt_y+0.0076"/>
-                                          </p:val>
-                                        </p:tav>
-                                        <p:tav tm="95000">
-                                          <p:val>
-                                            <p:strVal val="#ppt_y+0.0019"/>
-                                          </p:val>
-                                        </p:tav>
-                                        <p:tav tm="100000">
-                                          <p:val>
-                                            <p:strVal val="#ppt_y"/>
-                                          </p:val>
-                                        </p:tav>
-                                      </p:tavLst>
-                                    </p:anim>
-                                  </p:childTnLst>
-                                </p:cTn>
-                              </p:par>
-                            </p:childTnLst>
-                          </p:cTn>
-                        </p:par>
-                      </p:childTnLst>
-                    </p:cTn>
-                  </p:par>
-                </p:childTnLst>
-              </p:cTn>
-              <p:prevCondLst>
-                <p:cond evt="onPrev" delay="0">
-                  <p:tgtEl>
-                    <p:sldTgt/>
-                  </p:tgtEl>
-                </p:cond>
-              </p:prevCondLst>
-              <p:nextCondLst>
-                <p:cond evt="onNext" delay="0">
-                  <p:tgtEl>
-                    <p:sldTgt/>
-                  </p:tgtEl>
-                </p:cond>
-              </p:nextCondLst>
-            </p:seq>
-          </p:childTnLst>
-        </p:cTn>
-      </p:par>
-    </p:tnLst>
-    <p:bldLst>
-      <p:bldP spid="4" grpId="0" animBg="1"/>
-      <p:bldP spid="5" grpId="0"/>
-      <p:bldP spid="6" grpId="0"/>
-    </p:bldLst>
-  </p:timing>
 </p:sld>
 </file>
 
